--- a/docs/Online-Shop-architect.pptx
+++ b/docs/Online-Shop-architect.pptx
@@ -6,9 +6,18 @@
   </p:sldMasterIdLst>
   <p:sldIdLst>
     <p:sldId id="256" r:id="rId2"/>
-    <p:sldId id="257" r:id="rId3"/>
-    <p:sldId id="281" r:id="rId4"/>
-    <p:sldId id="282" r:id="rId5"/>
+    <p:sldId id="283" r:id="rId3"/>
+    <p:sldId id="286" r:id="rId4"/>
+    <p:sldId id="287" r:id="rId5"/>
+    <p:sldId id="284" r:id="rId6"/>
+    <p:sldId id="281" r:id="rId7"/>
+    <p:sldId id="257" r:id="rId8"/>
+    <p:sldId id="291" r:id="rId9"/>
+    <p:sldId id="285" r:id="rId10"/>
+    <p:sldId id="288" r:id="rId11"/>
+    <p:sldId id="289" r:id="rId12"/>
+    <p:sldId id="290" r:id="rId13"/>
+    <p:sldId id="292" r:id="rId14"/>
   </p:sldIdLst>
   <p:sldSz cx="9144000" cy="6858000" type="screen4x3"/>
   <p:notesSz cx="6858000" cy="9144000"/>
@@ -325,7 +334,7 @@
           <a:p>
             <a:fld id="{CB37C54E-485C-4A8B-A5C6-7B3FF83782A8}" type="datetimeFigureOut">
               <a:rPr lang="ru-RU" smtClean="0"/>
-              <a:t>21.10.2023</a:t>
+              <a:t>22.10.2023</a:t>
             </a:fld>
             <a:endParaRPr lang="ru-RU"/>
           </a:p>
@@ -490,7 +499,7 @@
           <a:p>
             <a:fld id="{CB37C54E-485C-4A8B-A5C6-7B3FF83782A8}" type="datetimeFigureOut">
               <a:rPr lang="ru-RU" smtClean="0"/>
-              <a:t>21.10.2023</a:t>
+              <a:t>22.10.2023</a:t>
             </a:fld>
             <a:endParaRPr lang="ru-RU"/>
           </a:p>
@@ -665,7 +674,7 @@
           <a:p>
             <a:fld id="{CB37C54E-485C-4A8B-A5C6-7B3FF83782A8}" type="datetimeFigureOut">
               <a:rPr lang="ru-RU" smtClean="0"/>
-              <a:t>21.10.2023</a:t>
+              <a:t>22.10.2023</a:t>
             </a:fld>
             <a:endParaRPr lang="ru-RU"/>
           </a:p>
@@ -830,7 +839,7 @@
           <a:p>
             <a:fld id="{CB37C54E-485C-4A8B-A5C6-7B3FF83782A8}" type="datetimeFigureOut">
               <a:rPr lang="ru-RU" smtClean="0"/>
-              <a:t>21.10.2023</a:t>
+              <a:t>22.10.2023</a:t>
             </a:fld>
             <a:endParaRPr lang="ru-RU"/>
           </a:p>
@@ -1069,7 +1078,7 @@
           <a:p>
             <a:fld id="{CB37C54E-485C-4A8B-A5C6-7B3FF83782A8}" type="datetimeFigureOut">
               <a:rPr lang="ru-RU" smtClean="0"/>
-              <a:t>21.10.2023</a:t>
+              <a:t>22.10.2023</a:t>
             </a:fld>
             <a:endParaRPr lang="ru-RU"/>
           </a:p>
@@ -1159,7 +1168,7 @@
           <a:p>
             <a:fld id="{CB37C54E-485C-4A8B-A5C6-7B3FF83782A8}" type="datetimeFigureOut">
               <a:rPr lang="ru-RU" smtClean="0"/>
-              <a:t>21.10.2023</a:t>
+              <a:t>22.10.2023</a:t>
             </a:fld>
             <a:endParaRPr lang="ru-RU"/>
           </a:p>
@@ -1533,7 +1542,7 @@
           <a:p>
             <a:fld id="{CB37C54E-485C-4A8B-A5C6-7B3FF83782A8}" type="datetimeFigureOut">
               <a:rPr lang="ru-RU" smtClean="0"/>
-              <a:t>21.10.2023</a:t>
+              <a:t>22.10.2023</a:t>
             </a:fld>
             <a:endParaRPr lang="ru-RU"/>
           </a:p>
@@ -1788,7 +1797,7 @@
           <a:p>
             <a:fld id="{CB37C54E-485C-4A8B-A5C6-7B3FF83782A8}" type="datetimeFigureOut">
               <a:rPr lang="ru-RU" smtClean="0"/>
-              <a:t>21.10.2023</a:t>
+              <a:t>22.10.2023</a:t>
             </a:fld>
             <a:endParaRPr lang="ru-RU"/>
           </a:p>
@@ -1878,7 +1887,7 @@
           <a:p>
             <a:fld id="{CB37C54E-485C-4A8B-A5C6-7B3FF83782A8}" type="datetimeFigureOut">
               <a:rPr lang="ru-RU" smtClean="0"/>
-              <a:t>21.10.2023</a:t>
+              <a:t>22.10.2023</a:t>
             </a:fld>
             <a:endParaRPr lang="ru-RU"/>
           </a:p>
@@ -2152,7 +2161,7 @@
           <a:p>
             <a:fld id="{CB37C54E-485C-4A8B-A5C6-7B3FF83782A8}" type="datetimeFigureOut">
               <a:rPr lang="ru-RU" smtClean="0"/>
-              <a:t>21.10.2023</a:t>
+              <a:t>22.10.2023</a:t>
             </a:fld>
             <a:endParaRPr lang="ru-RU"/>
           </a:p>
@@ -2424,7 +2433,7 @@
           <a:p>
             <a:fld id="{CB37C54E-485C-4A8B-A5C6-7B3FF83782A8}" type="datetimeFigureOut">
               <a:rPr lang="ru-RU" smtClean="0"/>
-              <a:t>21.10.2023</a:t>
+              <a:t>22.10.2023</a:t>
             </a:fld>
             <a:endParaRPr lang="ru-RU"/>
           </a:p>
@@ -2724,7 +2733,7 @@
           <a:p>
             <a:fld id="{CB37C54E-485C-4A8B-A5C6-7B3FF83782A8}" type="datetimeFigureOut">
               <a:rPr lang="ru-RU" smtClean="0"/>
-              <a:t>21.10.2023</a:t>
+              <a:t>22.10.2023</a:t>
             </a:fld>
             <a:endParaRPr lang="ru-RU"/>
           </a:p>
@@ -3193,7 +3202,7 @@
               <a:t>Online-</a:t>
             </a:r>
             <a:r>
-              <a:rPr lang="de-DE" dirty="0" err="1" smtClean="0"/>
+              <a:rPr lang="en-US" dirty="0" smtClean="0"/>
               <a:t>Catalog</a:t>
             </a:r>
             <a:r>
@@ -3201,31 +3210,115 @@
               <a:t> </a:t>
             </a:r>
             <a:r>
+              <a:rPr lang="en-US" dirty="0" err="1"/>
+              <a:t>m</a:t>
+            </a:r>
+            <a:r>
+              <a:rPr lang="en-US" dirty="0" err="1" smtClean="0"/>
+              <a:t>ommox</a:t>
+            </a:r>
+            <a:endParaRPr lang="en-US" dirty="0"/>
+          </a:p>
+        </p:txBody>
+      </p:sp>
+      <p:sp>
+        <p:nvSpPr>
+          <p:cNvPr id="3" name="Подзаголовок 2"/>
+          <p:cNvSpPr>
+            <a:spLocks noGrp="1"/>
+          </p:cNvSpPr>
+          <p:nvPr>
+            <p:ph type="subTitle" idx="1"/>
+          </p:nvPr>
+        </p:nvSpPr>
+        <p:spPr/>
+        <p:txBody>
+          <a:bodyPr>
+            <a:normAutofit fontScale="77500" lnSpcReduction="20000"/>
+          </a:bodyPr>
+          <a:lstStyle/>
+          <a:p>
+            <a:r>
+              <a:rPr lang="en-US" dirty="0" smtClean="0"/>
+              <a:t>Author</a:t>
+            </a:r>
+            <a:r>
+              <a:rPr lang="de-DE" dirty="0" smtClean="0"/>
+              <a:t> </a:t>
+            </a:r>
+            <a:r>
+              <a:rPr lang="de-DE" dirty="0" smtClean="0"/>
+              <a:t>Maxim </a:t>
+            </a:r>
+            <a:r>
               <a:rPr lang="de-DE" dirty="0" err="1" smtClean="0"/>
-              <a:t>Mommax</a:t>
-            </a:r>
-            <a:endParaRPr lang="ru-RU" dirty="0"/>
-          </a:p>
-        </p:txBody>
-      </p:sp>
-      <p:sp>
-        <p:nvSpPr>
-          <p:cNvPr id="3" name="Подзаголовок 2"/>
-          <p:cNvSpPr>
-            <a:spLocks noGrp="1"/>
-          </p:cNvSpPr>
-          <p:nvPr>
-            <p:ph type="subTitle" idx="1"/>
-          </p:nvPr>
-        </p:nvSpPr>
-        <p:spPr/>
-        <p:txBody>
-          <a:bodyPr/>
-          <a:lstStyle/>
-          <a:p>
+              <a:t>Danilov</a:t>
+            </a:r>
             <a:r>
               <a:rPr lang="de-DE" dirty="0" smtClean="0"/>
-              <a:t>Beschreibung des Projekts.</a:t>
+              <a:t>.</a:t>
+            </a:r>
+          </a:p>
+          <a:p>
+            <a:r>
+              <a:rPr lang="de-DE" dirty="0" smtClean="0"/>
+              <a:t>Tech </a:t>
+            </a:r>
+            <a:r>
+              <a:rPr lang="de-DE" dirty="0" smtClean="0"/>
+              <a:t>Task </a:t>
+            </a:r>
+            <a:r>
+              <a:rPr lang="de-DE" dirty="0" smtClean="0"/>
+              <a:t>was </a:t>
+            </a:r>
+            <a:r>
+              <a:rPr lang="en-US" dirty="0" smtClean="0"/>
+              <a:t>received</a:t>
+            </a:r>
+            <a:r>
+              <a:rPr lang="de-DE" dirty="0" smtClean="0"/>
+              <a:t> </a:t>
+            </a:r>
+            <a:r>
+              <a:rPr lang="it-IT" dirty="0" smtClean="0"/>
+              <a:t>via Codility link.</a:t>
+            </a:r>
+          </a:p>
+          <a:p>
+            <a:r>
+              <a:rPr lang="it-IT" dirty="0" smtClean="0"/>
+              <a:t>Started 21.10.2023. </a:t>
+            </a:r>
+          </a:p>
+          <a:p>
+            <a:r>
+              <a:rPr lang="en-US" dirty="0" smtClean="0"/>
+              <a:t>Invested</a:t>
+            </a:r>
+            <a:r>
+              <a:rPr lang="de-AT" dirty="0" smtClean="0"/>
+              <a:t> </a:t>
+            </a:r>
+            <a:r>
+              <a:rPr lang="de-AT" dirty="0" smtClean="0"/>
+              <a:t>Time:</a:t>
+            </a:r>
+            <a:r>
+              <a:rPr lang="it-IT" dirty="0" smtClean="0"/>
+              <a:t> ~ 2hour documentation</a:t>
+            </a:r>
+            <a:r>
+              <a:rPr lang="it-IT" smtClean="0"/>
+              <a:t>, </a:t>
+            </a:r>
+            <a:r>
+              <a:rPr lang="it-IT" smtClean="0"/>
+              <a:t>~3 </a:t>
+            </a:r>
+            <a:r>
+              <a:rPr lang="it-IT" dirty="0" smtClean="0"/>
+              <a:t>hour prototyping.</a:t>
             </a:r>
             <a:endParaRPr lang="ru-RU" dirty="0"/>
           </a:p>
@@ -3235,6 +3328,571 @@
     <p:extLst>
       <p:ext uri="{BB962C8B-B14F-4D97-AF65-F5344CB8AC3E}">
         <p14:creationId xmlns:p14="http://schemas.microsoft.com/office/powerpoint/2010/main" val="656219682"/>
+      </p:ext>
+    </p:extLst>
+  </p:cSld>
+  <p:clrMapOvr>
+    <a:masterClrMapping/>
+  </p:clrMapOvr>
+  <p:timing>
+    <p:tnLst>
+      <p:par>
+        <p:cTn id="1" dur="indefinite" restart="never" nodeType="tmRoot"/>
+      </p:par>
+    </p:tnLst>
+  </p:timing>
+</p:sld>
+</file>
+
+<file path=ppt/slides/slide10.xml><?xml version="1.0" encoding="utf-8"?>
+<p:sld xmlns:a="http://schemas.openxmlformats.org/drawingml/2006/main" xmlns:r="http://schemas.openxmlformats.org/officeDocument/2006/relationships" xmlns:p="http://schemas.openxmlformats.org/presentationml/2006/main">
+  <p:cSld>
+    <p:spTree>
+      <p:nvGrpSpPr>
+        <p:cNvPr id="1" name=""/>
+        <p:cNvGrpSpPr/>
+        <p:nvPr/>
+      </p:nvGrpSpPr>
+      <p:grpSpPr>
+        <a:xfrm>
+          <a:off x="0" y="0"/>
+          <a:ext cx="0" cy="0"/>
+          <a:chOff x="0" y="0"/>
+          <a:chExt cx="0" cy="0"/>
+        </a:xfrm>
+      </p:grpSpPr>
+      <p:sp>
+        <p:nvSpPr>
+          <p:cNvPr id="2" name="Title 1"/>
+          <p:cNvSpPr>
+            <a:spLocks noGrp="1"/>
+          </p:cNvSpPr>
+          <p:nvPr>
+            <p:ph type="title"/>
+          </p:nvPr>
+        </p:nvSpPr>
+        <p:spPr/>
+        <p:txBody>
+          <a:bodyPr/>
+          <a:lstStyle/>
+          <a:p>
+            <a:r>
+              <a:rPr lang="en-GB" dirty="0" smtClean="0"/>
+              <a:t>Disadvantages:</a:t>
+            </a:r>
+            <a:endParaRPr lang="en-GB" dirty="0"/>
+          </a:p>
+        </p:txBody>
+      </p:sp>
+      <p:sp>
+        <p:nvSpPr>
+          <p:cNvPr id="3" name="Content Placeholder 2"/>
+          <p:cNvSpPr>
+            <a:spLocks noGrp="1"/>
+          </p:cNvSpPr>
+          <p:nvPr>
+            <p:ph idx="1"/>
+          </p:nvPr>
+        </p:nvSpPr>
+        <p:spPr/>
+        <p:txBody>
+          <a:bodyPr>
+            <a:normAutofit/>
+          </a:bodyPr>
+          <a:lstStyle/>
+          <a:p>
+            <a:r>
+              <a:rPr lang="en-US" dirty="0"/>
+              <a:t>Variations of a product are always treated as new products.</a:t>
+            </a:r>
+          </a:p>
+          <a:p>
+            <a:r>
+              <a:rPr lang="en-US" dirty="0"/>
+              <a:t>High-weight indexing of tables.</a:t>
+            </a:r>
+          </a:p>
+          <a:p>
+            <a:r>
+              <a:rPr lang="en-US" dirty="0"/>
+              <a:t>A highly flexible system for setting up properties, which can be misused.</a:t>
+            </a:r>
+          </a:p>
+          <a:p>
+            <a:r>
+              <a:rPr lang="en-US" dirty="0"/>
+              <a:t>Additional data type converters can be a source of hard-to-find errors.</a:t>
+            </a:r>
+          </a:p>
+          <a:p>
+            <a:r>
+              <a:rPr lang="en-US" dirty="0"/>
+              <a:t>Not a popular solution against the modern hype about NoSQL databases.</a:t>
+            </a:r>
+          </a:p>
+          <a:p>
+            <a:r>
+              <a:rPr lang="en-US" dirty="0" err="1"/>
+              <a:t>GraphQL</a:t>
+            </a:r>
+            <a:r>
+              <a:rPr lang="en-US" dirty="0"/>
+              <a:t> is not friendly to traditional data schemas</a:t>
+            </a:r>
+            <a:r>
+              <a:rPr lang="en-US" dirty="0" smtClean="0"/>
+              <a:t>.</a:t>
+            </a:r>
+          </a:p>
+          <a:p>
+            <a:endParaRPr lang="en-US" dirty="0" smtClean="0"/>
+          </a:p>
+        </p:txBody>
+      </p:sp>
+    </p:spTree>
+    <p:extLst>
+      <p:ext uri="{BB962C8B-B14F-4D97-AF65-F5344CB8AC3E}">
+        <p14:creationId xmlns:p14="http://schemas.microsoft.com/office/powerpoint/2010/main" val="1844348237"/>
+      </p:ext>
+    </p:extLst>
+  </p:cSld>
+  <p:clrMapOvr>
+    <a:masterClrMapping/>
+  </p:clrMapOvr>
+</p:sld>
+</file>
+
+<file path=ppt/slides/slide11.xml><?xml version="1.0" encoding="utf-8"?>
+<p:sld xmlns:a="http://schemas.openxmlformats.org/drawingml/2006/main" xmlns:r="http://schemas.openxmlformats.org/officeDocument/2006/relationships" xmlns:p="http://schemas.openxmlformats.org/presentationml/2006/main">
+  <p:cSld>
+    <p:spTree>
+      <p:nvGrpSpPr>
+        <p:cNvPr id="1" name=""/>
+        <p:cNvGrpSpPr/>
+        <p:nvPr/>
+      </p:nvGrpSpPr>
+      <p:grpSpPr>
+        <a:xfrm>
+          <a:off x="0" y="0"/>
+          <a:ext cx="0" cy="0"/>
+          <a:chOff x="0" y="0"/>
+          <a:chExt cx="0" cy="0"/>
+        </a:xfrm>
+      </p:grpSpPr>
+      <p:sp>
+        <p:nvSpPr>
+          <p:cNvPr id="2" name="Title 1"/>
+          <p:cNvSpPr>
+            <a:spLocks noGrp="1"/>
+          </p:cNvSpPr>
+          <p:nvPr>
+            <p:ph type="title"/>
+          </p:nvPr>
+        </p:nvSpPr>
+        <p:spPr/>
+        <p:txBody>
+          <a:bodyPr/>
+          <a:lstStyle/>
+          <a:p>
+            <a:r>
+              <a:rPr lang="de-AT" dirty="0" err="1" smtClean="0"/>
+              <a:t>Realization</a:t>
+            </a:r>
+            <a:endParaRPr lang="en-GB" dirty="0"/>
+          </a:p>
+        </p:txBody>
+      </p:sp>
+      <p:sp>
+        <p:nvSpPr>
+          <p:cNvPr id="3" name="Content Placeholder 2"/>
+          <p:cNvSpPr>
+            <a:spLocks noGrp="1"/>
+          </p:cNvSpPr>
+          <p:nvPr>
+            <p:ph idx="1"/>
+          </p:nvPr>
+        </p:nvSpPr>
+        <p:spPr/>
+        <p:txBody>
+          <a:bodyPr>
+            <a:normAutofit fontScale="77500" lnSpcReduction="20000"/>
+          </a:bodyPr>
+          <a:lstStyle/>
+          <a:p>
+            <a:r>
+              <a:rPr lang="en-US" sz="1900" dirty="0"/>
+              <a:t>Can be realized in every programming language. I prefer Python because I specialize in it, and I offer a Python-oriented solution</a:t>
+            </a:r>
+            <a:r>
+              <a:rPr lang="en-US" sz="1900" dirty="0" smtClean="0"/>
+              <a:t>.</a:t>
+            </a:r>
+          </a:p>
+          <a:p>
+            <a:endParaRPr lang="en-US" sz="1900" dirty="0"/>
+          </a:p>
+          <a:p>
+            <a:r>
+              <a:rPr lang="en-US" sz="1900" dirty="0" smtClean="0"/>
+              <a:t>Micro-services </a:t>
+            </a:r>
+            <a:r>
+              <a:rPr lang="en-US" sz="1900" dirty="0"/>
+              <a:t>can be implemented easily. For example, entry points to export data for different data consumers.</a:t>
+            </a:r>
+          </a:p>
+          <a:p>
+            <a:endParaRPr lang="en-US" sz="1900" dirty="0" smtClean="0"/>
+          </a:p>
+          <a:p>
+            <a:r>
+              <a:rPr lang="en-US" sz="1900" dirty="0" smtClean="0"/>
+              <a:t>An any </a:t>
+            </a:r>
+            <a:r>
+              <a:rPr lang="en-US" sz="1900" dirty="0"/>
+              <a:t>caching system is needed; I recommend using it primarily for high-frequency search requests and for full data export of highly requested products.</a:t>
+            </a:r>
+          </a:p>
+          <a:p>
+            <a:endParaRPr lang="en-US" sz="1900" dirty="0" smtClean="0"/>
+          </a:p>
+          <a:p>
+            <a:r>
+              <a:rPr lang="en-US" sz="1900" dirty="0" smtClean="0"/>
+              <a:t>If </a:t>
+            </a:r>
+            <a:r>
+              <a:rPr lang="en-US" sz="1900" dirty="0"/>
+              <a:t>Python is chosen, Django offers a good possibility to create and operate with models and database tables easily. For prototyping, Django covers all parts of realization.</a:t>
+            </a:r>
+          </a:p>
+          <a:p>
+            <a:endParaRPr lang="en-US" sz="1900" dirty="0" smtClean="0"/>
+          </a:p>
+          <a:p>
+            <a:r>
+              <a:rPr lang="en-US" sz="1900" dirty="0" smtClean="0"/>
+              <a:t>For </a:t>
+            </a:r>
+            <a:r>
+              <a:rPr lang="en-US" sz="1900" dirty="0" smtClean="0"/>
+              <a:t>Micro-services</a:t>
+            </a:r>
+            <a:r>
+              <a:rPr lang="en-US" sz="1900" dirty="0"/>
+              <a:t>, </a:t>
+            </a:r>
+            <a:r>
+              <a:rPr lang="en-US" sz="1900" dirty="0" smtClean="0"/>
+              <a:t>it can be used </a:t>
+            </a:r>
+            <a:r>
+              <a:rPr lang="en-US" sz="1900" dirty="0"/>
+              <a:t>the </a:t>
+            </a:r>
+            <a:r>
+              <a:rPr lang="en-US" sz="1900" dirty="0" err="1"/>
+              <a:t>Sanic</a:t>
+            </a:r>
+            <a:r>
+              <a:rPr lang="en-US" sz="1900" dirty="0"/>
+              <a:t> web framework, marshmallow </a:t>
+            </a:r>
+            <a:r>
+              <a:rPr lang="en-US" sz="1900" dirty="0" err="1" smtClean="0"/>
+              <a:t>serializers</a:t>
+            </a:r>
+            <a:r>
+              <a:rPr lang="en-US" sz="1900" dirty="0" smtClean="0"/>
+              <a:t>, </a:t>
+            </a:r>
+            <a:r>
+              <a:rPr lang="en-US" sz="1900" dirty="0"/>
+              <a:t>and any </a:t>
+            </a:r>
+            <a:r>
+              <a:rPr lang="en-US" sz="1900" dirty="0" err="1"/>
+              <a:t>async</a:t>
+            </a:r>
+            <a:r>
+              <a:rPr lang="en-US" sz="1900" dirty="0"/>
+              <a:t> ORM to connect to the database. This combination works two times faster than, for example, </a:t>
+            </a:r>
+            <a:r>
+              <a:rPr lang="en-US" sz="1900" dirty="0" err="1"/>
+              <a:t>FastAPI</a:t>
+            </a:r>
+            <a:r>
+              <a:rPr lang="en-US" sz="1900" dirty="0"/>
+              <a:t>, </a:t>
+            </a:r>
+            <a:r>
+              <a:rPr lang="en-US" sz="1900" dirty="0" err="1"/>
+              <a:t>Pydantic</a:t>
+            </a:r>
+            <a:r>
+              <a:rPr lang="en-US" sz="1900" dirty="0"/>
+              <a:t>, and ORM</a:t>
+            </a:r>
+            <a:r>
+              <a:rPr lang="en-US" sz="1900" dirty="0" smtClean="0"/>
+              <a:t>.</a:t>
+            </a:r>
+            <a:endParaRPr lang="de-AT" sz="1900" dirty="0" smtClean="0"/>
+          </a:p>
+          <a:p>
+            <a:endParaRPr lang="de-AT" dirty="0" smtClean="0"/>
+          </a:p>
+          <a:p>
+            <a:endParaRPr lang="de-AT" dirty="0" smtClean="0"/>
+          </a:p>
+          <a:p>
+            <a:endParaRPr lang="en-GB" dirty="0"/>
+          </a:p>
+        </p:txBody>
+      </p:sp>
+    </p:spTree>
+    <p:extLst>
+      <p:ext uri="{BB962C8B-B14F-4D97-AF65-F5344CB8AC3E}">
+        <p14:creationId xmlns:p14="http://schemas.microsoft.com/office/powerpoint/2010/main" val="3596147244"/>
+      </p:ext>
+    </p:extLst>
+  </p:cSld>
+  <p:clrMapOvr>
+    <a:masterClrMapping/>
+  </p:clrMapOvr>
+</p:sld>
+</file>
+
+<file path=ppt/slides/slide12.xml><?xml version="1.0" encoding="utf-8"?>
+<p:sld xmlns:a="http://schemas.openxmlformats.org/drawingml/2006/main" xmlns:r="http://schemas.openxmlformats.org/officeDocument/2006/relationships" xmlns:p="http://schemas.openxmlformats.org/presentationml/2006/main">
+  <p:cSld>
+    <p:spTree>
+      <p:nvGrpSpPr>
+        <p:cNvPr id="1" name=""/>
+        <p:cNvGrpSpPr/>
+        <p:nvPr/>
+      </p:nvGrpSpPr>
+      <p:grpSpPr>
+        <a:xfrm>
+          <a:off x="0" y="0"/>
+          <a:ext cx="0" cy="0"/>
+          <a:chOff x="0" y="0"/>
+          <a:chExt cx="0" cy="0"/>
+        </a:xfrm>
+      </p:grpSpPr>
+      <p:sp>
+        <p:nvSpPr>
+          <p:cNvPr id="2" name="Title 1"/>
+          <p:cNvSpPr>
+            <a:spLocks noGrp="1"/>
+          </p:cNvSpPr>
+          <p:nvPr>
+            <p:ph type="title"/>
+          </p:nvPr>
+        </p:nvSpPr>
+        <p:spPr>
+          <a:xfrm>
+            <a:off x="914400" y="1544715"/>
+            <a:ext cx="7690048" cy="1154097"/>
+          </a:xfrm>
+        </p:spPr>
+        <p:txBody>
+          <a:bodyPr>
+            <a:normAutofit fontScale="90000"/>
+          </a:bodyPr>
+          <a:lstStyle/>
+          <a:p>
+            <a:r>
+              <a:rPr lang="de-AT" dirty="0" smtClean="0"/>
+              <a:t>Not </a:t>
+            </a:r>
+            <a:r>
+              <a:rPr lang="de-AT" dirty="0" err="1" smtClean="0"/>
+              <a:t>completely</a:t>
+            </a:r>
+            <a:r>
+              <a:rPr lang="de-AT" dirty="0" smtClean="0"/>
+              <a:t> </a:t>
+            </a:r>
+            <a:r>
+              <a:rPr lang="de-AT" dirty="0" err="1" smtClean="0"/>
+              <a:t>realized</a:t>
+            </a:r>
+            <a:r>
+              <a:rPr lang="de-AT" dirty="0" smtClean="0"/>
+              <a:t>, </a:t>
+            </a:r>
+            <a:r>
+              <a:rPr lang="de-AT" dirty="0" err="1" smtClean="0"/>
+              <a:t>because</a:t>
+            </a:r>
+            <a:r>
+              <a:rPr lang="de-AT" dirty="0" smtClean="0"/>
+              <a:t> </a:t>
+            </a:r>
+            <a:r>
+              <a:rPr lang="en-US" dirty="0"/>
+              <a:t>i</a:t>
+            </a:r>
+            <a:r>
+              <a:rPr lang="en-US" dirty="0" smtClean="0"/>
+              <a:t>t </a:t>
+            </a:r>
+            <a:r>
+              <a:rPr lang="en-US" dirty="0"/>
+              <a:t>is not clear which goals are achieved</a:t>
+            </a:r>
+            <a:endParaRPr lang="en-GB" dirty="0"/>
+          </a:p>
+        </p:txBody>
+      </p:sp>
+      <p:sp>
+        <p:nvSpPr>
+          <p:cNvPr id="3" name="Content Placeholder 2"/>
+          <p:cNvSpPr>
+            <a:spLocks noGrp="1"/>
+          </p:cNvSpPr>
+          <p:nvPr>
+            <p:ph idx="1"/>
+          </p:nvPr>
+        </p:nvSpPr>
+        <p:spPr/>
+        <p:txBody>
+          <a:bodyPr>
+            <a:normAutofit/>
+          </a:bodyPr>
+          <a:lstStyle/>
+          <a:p>
+            <a:r>
+              <a:rPr lang="en-US" dirty="0"/>
+              <a:t>Changes to products/attributes must be communicated in real-time to </a:t>
+            </a:r>
+            <a:r>
+              <a:rPr lang="en-US" dirty="0" smtClean="0"/>
+              <a:t>consumers. </a:t>
+            </a:r>
+            <a:r>
+              <a:rPr lang="en-US" dirty="0"/>
+              <a:t>I</a:t>
+            </a:r>
+            <a:r>
+              <a:rPr lang="en-US" dirty="0" smtClean="0"/>
+              <a:t>t </a:t>
+            </a:r>
+            <a:r>
+              <a:rPr lang="en-US" dirty="0"/>
+              <a:t>can be done through an event-driven connection like </a:t>
+            </a:r>
+            <a:r>
+              <a:rPr lang="en-US" dirty="0" err="1"/>
+              <a:t>WebSockets</a:t>
+            </a:r>
+            <a:r>
+              <a:rPr lang="en-US" dirty="0"/>
+              <a:t>. A change event of a product/attribute/property should trigger message sending to all subscribers</a:t>
+            </a:r>
+            <a:r>
+              <a:rPr lang="en-US" dirty="0" smtClean="0"/>
+              <a:t>.</a:t>
+            </a:r>
+            <a:endParaRPr lang="de-AT" dirty="0" smtClean="0"/>
+          </a:p>
+          <a:p>
+            <a:endParaRPr lang="de-AT" dirty="0" smtClean="0"/>
+          </a:p>
+          <a:p>
+            <a:endParaRPr lang="en-GB" dirty="0"/>
+          </a:p>
+        </p:txBody>
+      </p:sp>
+    </p:spTree>
+    <p:extLst>
+      <p:ext uri="{BB962C8B-B14F-4D97-AF65-F5344CB8AC3E}">
+        <p14:creationId xmlns:p14="http://schemas.microsoft.com/office/powerpoint/2010/main" val="3302030784"/>
+      </p:ext>
+    </p:extLst>
+  </p:cSld>
+  <p:clrMapOvr>
+    <a:masterClrMapping/>
+  </p:clrMapOvr>
+</p:sld>
+</file>
+
+<file path=ppt/slides/slide13.xml><?xml version="1.0" encoding="utf-8"?>
+<p:sld xmlns:a="http://schemas.openxmlformats.org/drawingml/2006/main" xmlns:r="http://schemas.openxmlformats.org/officeDocument/2006/relationships" xmlns:p="http://schemas.openxmlformats.org/presentationml/2006/main">
+  <p:cSld>
+    <p:spTree>
+      <p:nvGrpSpPr>
+        <p:cNvPr id="1" name=""/>
+        <p:cNvGrpSpPr/>
+        <p:nvPr/>
+      </p:nvGrpSpPr>
+      <p:grpSpPr>
+        <a:xfrm>
+          <a:off x="0" y="0"/>
+          <a:ext cx="0" cy="0"/>
+          <a:chOff x="0" y="0"/>
+          <a:chExt cx="0" cy="0"/>
+        </a:xfrm>
+      </p:grpSpPr>
+      <p:sp>
+        <p:nvSpPr>
+          <p:cNvPr id="2" name="Title 1"/>
+          <p:cNvSpPr>
+            <a:spLocks noGrp="1"/>
+          </p:cNvSpPr>
+          <p:nvPr>
+            <p:ph type="title"/>
+          </p:nvPr>
+        </p:nvSpPr>
+        <p:spPr/>
+        <p:txBody>
+          <a:bodyPr>
+            <a:normAutofit fontScale="90000"/>
+          </a:bodyPr>
+          <a:lstStyle/>
+          <a:p>
+            <a:r>
+              <a:rPr lang="en-US" dirty="0" smtClean="0"/>
+              <a:t>It </a:t>
+            </a:r>
+            <a:r>
+              <a:rPr lang="en-US" dirty="0"/>
+              <a:t>was fascinating and very interesting to solve!</a:t>
+            </a:r>
+            <a:endParaRPr lang="en-GB" dirty="0"/>
+          </a:p>
+        </p:txBody>
+      </p:sp>
+      <p:sp>
+        <p:nvSpPr>
+          <p:cNvPr id="3" name="Text Placeholder 2"/>
+          <p:cNvSpPr>
+            <a:spLocks noGrp="1"/>
+          </p:cNvSpPr>
+          <p:nvPr>
+            <p:ph type="body" idx="1"/>
+          </p:nvPr>
+        </p:nvSpPr>
+        <p:spPr/>
+        <p:txBody>
+          <a:bodyPr/>
+          <a:lstStyle/>
+          <a:p>
+            <a:r>
+              <a:rPr lang="en-US" dirty="0" smtClean="0"/>
+              <a:t>Thank you.</a:t>
+            </a:r>
+            <a:endParaRPr lang="en-US" dirty="0"/>
+          </a:p>
+        </p:txBody>
+      </p:sp>
+    </p:spTree>
+    <p:extLst>
+      <p:ext uri="{BB962C8B-B14F-4D97-AF65-F5344CB8AC3E}">
+        <p14:creationId xmlns:p14="http://schemas.microsoft.com/office/powerpoint/2010/main" val="3038573739"/>
       </p:ext>
     </p:extLst>
   </p:cSld>
@@ -3263,7 +3921,7 @@
       </p:grpSpPr>
       <p:sp>
         <p:nvSpPr>
-          <p:cNvPr id="2" name="Заголовок 1"/>
+          <p:cNvPr id="2" name="Title 1"/>
           <p:cNvSpPr>
             <a:spLocks noGrp="1"/>
           </p:cNvSpPr>
@@ -3271,413 +3929,202 @@
             <p:ph type="title"/>
           </p:nvPr>
         </p:nvSpPr>
-        <p:spPr>
-          <a:xfrm>
-            <a:off x="971600" y="548680"/>
-            <a:ext cx="7315200" cy="1293592"/>
-          </a:xfrm>
-        </p:spPr>
+        <p:spPr/>
+        <p:txBody>
+          <a:bodyPr/>
+          <a:lstStyle/>
+          <a:p>
+            <a:r>
+              <a:rPr lang="en-GB" dirty="0" smtClean="0"/>
+              <a:t>Tech Task:</a:t>
+            </a:r>
+            <a:endParaRPr lang="en-GB" dirty="0"/>
+          </a:p>
+        </p:txBody>
+      </p:sp>
+      <p:sp>
+        <p:nvSpPr>
+          <p:cNvPr id="3" name="Content Placeholder 2"/>
+          <p:cNvSpPr>
+            <a:spLocks noGrp="1"/>
+          </p:cNvSpPr>
+          <p:nvPr>
+            <p:ph idx="1"/>
+          </p:nvPr>
+        </p:nvSpPr>
+        <p:spPr/>
         <p:txBody>
           <a:bodyPr>
-            <a:normAutofit/>
+            <a:normAutofit fontScale="92500" lnSpcReduction="20000"/>
           </a:bodyPr>
           <a:lstStyle/>
           <a:p>
             <a:r>
-              <a:rPr lang="de-DE" dirty="0" smtClean="0"/>
-              <a:t>Die Struktur</a:t>
-            </a:r>
-            <a:endParaRPr lang="ru-RU" dirty="0"/>
-          </a:p>
-        </p:txBody>
-      </p:sp>
-      <p:sp>
-        <p:nvSpPr>
-          <p:cNvPr id="4" name="Текст 3"/>
-          <p:cNvSpPr>
-            <a:spLocks noGrp="1"/>
-          </p:cNvSpPr>
-          <p:nvPr>
-            <p:ph type="body" idx="1"/>
-          </p:nvPr>
-        </p:nvSpPr>
-        <p:spPr>
-          <a:xfrm>
-            <a:off x="1043608" y="1196752"/>
-            <a:ext cx="7315200" cy="1098439"/>
-          </a:xfrm>
-        </p:spPr>
-        <p:txBody>
-          <a:bodyPr/>
-          <a:lstStyle/>
-          <a:p>
-            <a:r>
-              <a:rPr lang="de-DE" u="sng" dirty="0" smtClean="0"/>
-              <a:t>Models </a:t>
-            </a:r>
-            <a:endParaRPr lang="ru-RU" u="sng" dirty="0"/>
-          </a:p>
-        </p:txBody>
-      </p:sp>
-      <p:sp>
-        <p:nvSpPr>
-          <p:cNvPr id="8" name="Скругленный прямоугольник 7"/>
-          <p:cNvSpPr/>
-          <p:nvPr/>
-        </p:nvSpPr>
-        <p:spPr>
-          <a:xfrm>
-            <a:off x="4699118" y="3828768"/>
-            <a:ext cx="1800200" cy="792088"/>
-          </a:xfrm>
-          <a:prstGeom prst="roundRect">
-            <a:avLst/>
-          </a:prstGeom>
-        </p:spPr>
-        <p:style>
-          <a:lnRef idx="2">
-            <a:schemeClr val="accent1">
-              <a:shade val="50000"/>
-            </a:schemeClr>
-          </a:lnRef>
-          <a:fillRef idx="1">
-            <a:schemeClr val="accent1"/>
-          </a:fillRef>
-          <a:effectRef idx="0">
-            <a:schemeClr val="accent1"/>
-          </a:effectRef>
-          <a:fontRef idx="minor">
-            <a:schemeClr val="lt1"/>
-          </a:fontRef>
-        </p:style>
-        <p:txBody>
-          <a:bodyPr rtlCol="0" anchor="ctr"/>
-          <a:lstStyle/>
-          <a:p>
-            <a:pPr algn="ctr"/>
-            <a:r>
-              <a:rPr lang="de-DE" dirty="0" smtClean="0"/>
-              <a:t>Media-Data</a:t>
-            </a:r>
-            <a:endParaRPr lang="ru-RU" dirty="0"/>
-          </a:p>
-        </p:txBody>
-      </p:sp>
-      <p:sp>
-        <p:nvSpPr>
-          <p:cNvPr id="10" name="Скругленный прямоугольник 9"/>
-          <p:cNvSpPr/>
-          <p:nvPr/>
-        </p:nvSpPr>
-        <p:spPr>
-          <a:xfrm>
-            <a:off x="6012160" y="2490344"/>
-            <a:ext cx="1800200" cy="792088"/>
-          </a:xfrm>
-          <a:prstGeom prst="roundRect">
-            <a:avLst/>
-          </a:prstGeom>
-        </p:spPr>
-        <p:style>
-          <a:lnRef idx="2">
-            <a:schemeClr val="accent1">
-              <a:shade val="50000"/>
-            </a:schemeClr>
-          </a:lnRef>
-          <a:fillRef idx="1">
-            <a:schemeClr val="accent1"/>
-          </a:fillRef>
-          <a:effectRef idx="0">
-            <a:schemeClr val="accent1"/>
-          </a:effectRef>
-          <a:fontRef idx="minor">
-            <a:schemeClr val="lt1"/>
-          </a:fontRef>
-        </p:style>
-        <p:txBody>
-          <a:bodyPr rtlCol="0" anchor="ctr"/>
-          <a:lstStyle/>
-          <a:p>
-            <a:pPr algn="ctr"/>
-            <a:r>
-              <a:rPr lang="de-DE" dirty="0" smtClean="0"/>
-              <a:t>Users</a:t>
-            </a:r>
-            <a:endParaRPr lang="ru-RU" dirty="0"/>
-          </a:p>
-        </p:txBody>
-      </p:sp>
-      <p:sp>
-        <p:nvSpPr>
-          <p:cNvPr id="14" name="Скругленный прямоугольник 13"/>
-          <p:cNvSpPr/>
-          <p:nvPr/>
-        </p:nvSpPr>
-        <p:spPr>
-          <a:xfrm>
-            <a:off x="755576" y="5293403"/>
-            <a:ext cx="1800200" cy="792088"/>
-          </a:xfrm>
-          <a:prstGeom prst="roundRect">
-            <a:avLst/>
-          </a:prstGeom>
-        </p:spPr>
-        <p:style>
-          <a:lnRef idx="2">
-            <a:schemeClr val="accent1">
-              <a:shade val="50000"/>
-            </a:schemeClr>
-          </a:lnRef>
-          <a:fillRef idx="1">
-            <a:schemeClr val="accent1"/>
-          </a:fillRef>
-          <a:effectRef idx="0">
-            <a:schemeClr val="accent1"/>
-          </a:effectRef>
-          <a:fontRef idx="minor">
-            <a:schemeClr val="lt1"/>
-          </a:fontRef>
-        </p:style>
-        <p:txBody>
-          <a:bodyPr rtlCol="0" anchor="ctr"/>
-          <a:lstStyle/>
-          <a:p>
-            <a:pPr algn="ctr"/>
-            <a:r>
-              <a:rPr lang="de-DE" dirty="0" smtClean="0"/>
-              <a:t>Products</a:t>
-            </a:r>
-          </a:p>
-        </p:txBody>
-      </p:sp>
-      <p:sp>
-        <p:nvSpPr>
-          <p:cNvPr id="15" name="Скругленный прямоугольник 14"/>
-          <p:cNvSpPr/>
-          <p:nvPr/>
-        </p:nvSpPr>
-        <p:spPr>
-          <a:xfrm>
-            <a:off x="886964" y="2490344"/>
-            <a:ext cx="1800200" cy="792088"/>
-          </a:xfrm>
-          <a:prstGeom prst="roundRect">
-            <a:avLst/>
-          </a:prstGeom>
-        </p:spPr>
-        <p:style>
-          <a:lnRef idx="2">
-            <a:schemeClr val="accent1">
-              <a:shade val="50000"/>
-            </a:schemeClr>
-          </a:lnRef>
-          <a:fillRef idx="1">
-            <a:schemeClr val="accent1"/>
-          </a:fillRef>
-          <a:effectRef idx="0">
-            <a:schemeClr val="accent1"/>
-          </a:effectRef>
-          <a:fontRef idx="minor">
-            <a:schemeClr val="lt1"/>
-          </a:fontRef>
-        </p:style>
-        <p:txBody>
-          <a:bodyPr rtlCol="0" anchor="ctr"/>
-          <a:lstStyle/>
-          <a:p>
-            <a:pPr algn="ctr"/>
-            <a:r>
-              <a:rPr lang="de-DE" dirty="0" smtClean="0"/>
-              <a:t>Groups</a:t>
-            </a:r>
-            <a:endParaRPr lang="ru-RU" dirty="0"/>
-          </a:p>
-        </p:txBody>
-      </p:sp>
-      <p:sp>
-        <p:nvSpPr>
-          <p:cNvPr id="19" name="Скругленный прямоугольник 13"/>
-          <p:cNvSpPr/>
-          <p:nvPr/>
-        </p:nvSpPr>
-        <p:spPr>
-          <a:xfrm>
-            <a:off x="3833947" y="5312034"/>
-            <a:ext cx="1800200" cy="792088"/>
-          </a:xfrm>
-          <a:prstGeom prst="roundRect">
-            <a:avLst/>
-          </a:prstGeom>
-        </p:spPr>
-        <p:style>
-          <a:lnRef idx="2">
-            <a:schemeClr val="accent1">
-              <a:shade val="50000"/>
-            </a:schemeClr>
-          </a:lnRef>
-          <a:fillRef idx="1">
-            <a:schemeClr val="accent1"/>
-          </a:fillRef>
-          <a:effectRef idx="0">
-            <a:schemeClr val="accent1"/>
-          </a:effectRef>
-          <a:fontRef idx="minor">
-            <a:schemeClr val="lt1"/>
-          </a:fontRef>
-        </p:style>
-        <p:txBody>
-          <a:bodyPr rtlCol="0" anchor="ctr"/>
-          <a:lstStyle/>
-          <a:p>
-            <a:pPr algn="ctr"/>
-            <a:r>
-              <a:rPr lang="de-DE" dirty="0" smtClean="0"/>
-              <a:t>Properties</a:t>
-            </a:r>
-          </a:p>
-        </p:txBody>
-      </p:sp>
-      <p:sp>
-        <p:nvSpPr>
-          <p:cNvPr id="20" name="Скругленный прямоугольник 13"/>
-          <p:cNvSpPr/>
-          <p:nvPr/>
-        </p:nvSpPr>
-        <p:spPr>
-          <a:xfrm>
-            <a:off x="6444208" y="5303503"/>
-            <a:ext cx="1800200" cy="792088"/>
-          </a:xfrm>
-          <a:prstGeom prst="roundRect">
-            <a:avLst/>
-          </a:prstGeom>
-        </p:spPr>
-        <p:style>
-          <a:lnRef idx="2">
-            <a:schemeClr val="accent1">
-              <a:shade val="50000"/>
-            </a:schemeClr>
-          </a:lnRef>
-          <a:fillRef idx="1">
-            <a:schemeClr val="accent1"/>
-          </a:fillRef>
-          <a:effectRef idx="0">
-            <a:schemeClr val="accent1"/>
-          </a:effectRef>
-          <a:fontRef idx="minor">
-            <a:schemeClr val="lt1"/>
-          </a:fontRef>
-        </p:style>
-        <p:txBody>
-          <a:bodyPr rtlCol="0" anchor="ctr"/>
-          <a:lstStyle/>
-          <a:p>
-            <a:pPr algn="ctr"/>
-            <a:r>
-              <a:rPr lang="de-DE" dirty="0" smtClean="0"/>
-              <a:t>Attributes</a:t>
-            </a:r>
-          </a:p>
-        </p:txBody>
-      </p:sp>
-      <p:sp>
-        <p:nvSpPr>
-          <p:cNvPr id="21" name="Скругленный прямоугольник 13"/>
-          <p:cNvSpPr/>
-          <p:nvPr/>
-        </p:nvSpPr>
-        <p:spPr>
-          <a:xfrm>
-            <a:off x="2687164" y="3806468"/>
-            <a:ext cx="1800200" cy="792088"/>
-          </a:xfrm>
-          <a:prstGeom prst="roundRect">
-            <a:avLst/>
-          </a:prstGeom>
-        </p:spPr>
-        <p:style>
-          <a:lnRef idx="2">
-            <a:schemeClr val="accent1">
-              <a:shade val="50000"/>
-            </a:schemeClr>
-          </a:lnRef>
-          <a:fillRef idx="1">
-            <a:schemeClr val="accent1"/>
-          </a:fillRef>
-          <a:effectRef idx="0">
-            <a:schemeClr val="accent1"/>
-          </a:effectRef>
-          <a:fontRef idx="minor">
-            <a:schemeClr val="lt1"/>
-          </a:fontRef>
-        </p:style>
-        <p:txBody>
-          <a:bodyPr rtlCol="0" anchor="ctr"/>
-          <a:lstStyle/>
-          <a:p>
-            <a:pPr algn="ctr"/>
-            <a:r>
-              <a:rPr lang="de-DE" dirty="0" err="1" smtClean="0"/>
-              <a:t>AdditionalInfo</a:t>
-            </a:r>
-            <a:endParaRPr lang="de-DE" dirty="0" smtClean="0"/>
-          </a:p>
-        </p:txBody>
-      </p:sp>
-      <p:sp>
-        <p:nvSpPr>
-          <p:cNvPr id="22" name="Скругленный прямоугольник 9"/>
-          <p:cNvSpPr/>
-          <p:nvPr/>
-        </p:nvSpPr>
-        <p:spPr>
-          <a:xfrm>
-            <a:off x="3449562" y="2445483"/>
-            <a:ext cx="1800200" cy="792088"/>
-          </a:xfrm>
-          <a:prstGeom prst="roundRect">
-            <a:avLst/>
-          </a:prstGeom>
-        </p:spPr>
-        <p:style>
-          <a:lnRef idx="2">
-            <a:schemeClr val="accent1">
-              <a:shade val="50000"/>
-            </a:schemeClr>
-          </a:lnRef>
-          <a:fillRef idx="1">
-            <a:schemeClr val="accent1"/>
-          </a:fillRef>
-          <a:effectRef idx="0">
-            <a:schemeClr val="accent1"/>
-          </a:effectRef>
-          <a:fontRef idx="minor">
-            <a:schemeClr val="lt1"/>
-          </a:fontRef>
-        </p:style>
-        <p:txBody>
-          <a:bodyPr rtlCol="0" anchor="ctr"/>
-          <a:lstStyle/>
-          <a:p>
-            <a:pPr algn="ctr"/>
-            <a:r>
-              <a:rPr lang="de-AT" dirty="0" err="1" smtClean="0"/>
-              <a:t>Permissions</a:t>
-            </a:r>
-            <a:endParaRPr lang="ru-RU" dirty="0"/>
+              <a:rPr lang="en-GB" b="1" dirty="0" smtClean="0"/>
+              <a:t>Catalogue contain </a:t>
+            </a:r>
+            <a:r>
+              <a:rPr lang="en-US" dirty="0" smtClean="0"/>
+              <a:t>fashion products ~</a:t>
+            </a:r>
+            <a:r>
+              <a:rPr lang="en-US" dirty="0" smtClean="0"/>
+              <a:t>50mln</a:t>
+            </a:r>
+            <a:endParaRPr lang="en-US" dirty="0" smtClean="0"/>
+          </a:p>
+          <a:p>
+            <a:endParaRPr lang="en-GB" b="1" dirty="0" smtClean="0"/>
+          </a:p>
+          <a:p>
+            <a:r>
+              <a:rPr lang="en-GB" b="1" dirty="0" smtClean="0"/>
+              <a:t>Application is a </a:t>
+            </a:r>
+            <a:r>
+              <a:rPr lang="en-US" dirty="0" smtClean="0"/>
+              <a:t>single </a:t>
+            </a:r>
+            <a:r>
+              <a:rPr lang="en-US" dirty="0"/>
+              <a:t>point of reference </a:t>
+            </a:r>
+            <a:r>
+              <a:rPr lang="en-US" dirty="0" smtClean="0"/>
+              <a:t>in </a:t>
+            </a:r>
+            <a:r>
+              <a:rPr lang="en-US" dirty="0"/>
+              <a:t>the </a:t>
+            </a:r>
+            <a:r>
+              <a:rPr lang="en-US" dirty="0" smtClean="0"/>
+              <a:t>whole company </a:t>
+            </a:r>
+            <a:r>
+              <a:rPr lang="en-US" dirty="0"/>
+              <a:t>(for marketing, logistics, marketplaces, pricing, etc</a:t>
+            </a:r>
+            <a:r>
+              <a:rPr lang="en-US" dirty="0" smtClean="0"/>
+              <a:t>.)</a:t>
+            </a:r>
+          </a:p>
+          <a:p>
+            <a:endParaRPr lang="en-US" dirty="0"/>
+          </a:p>
+          <a:p>
+            <a:r>
+              <a:rPr lang="en-US" dirty="0" smtClean="0"/>
+              <a:t>Catalogue </a:t>
+            </a:r>
+            <a:r>
+              <a:rPr lang="en-US" dirty="0"/>
+              <a:t>contains, </a:t>
+            </a:r>
+            <a:r>
+              <a:rPr lang="en-US" dirty="0" smtClean="0"/>
+              <a:t>products</a:t>
+            </a:r>
+            <a:r>
+              <a:rPr lang="en-US" dirty="0"/>
+              <a:t>, </a:t>
+            </a:r>
+            <a:r>
+              <a:rPr lang="en-US" dirty="0" smtClean="0"/>
+              <a:t>attributes, a lists </a:t>
+            </a:r>
+            <a:r>
+              <a:rPr lang="en-US" dirty="0"/>
+              <a:t>of mandatory attributes </a:t>
+            </a:r>
+            <a:r>
+              <a:rPr lang="en-US" dirty="0" smtClean="0"/>
+              <a:t>(so consumers </a:t>
+            </a:r>
+            <a:r>
+              <a:rPr lang="en-US" dirty="0"/>
+              <a:t>are aware of which attributes a </a:t>
+            </a:r>
+            <a:r>
+              <a:rPr lang="en-US" dirty="0" smtClean="0"/>
+              <a:t>concrete type of product </a:t>
+            </a:r>
+            <a:r>
+              <a:rPr lang="en-US" dirty="0"/>
+              <a:t>must </a:t>
+            </a:r>
+            <a:r>
+              <a:rPr lang="en-US" dirty="0" smtClean="0"/>
+              <a:t>have).</a:t>
+            </a:r>
+          </a:p>
+          <a:p>
+            <a:r>
+              <a:rPr lang="en-GB" dirty="0"/>
+              <a:t>Products can be added/changed/removed</a:t>
+            </a:r>
+          </a:p>
+          <a:p>
+            <a:r>
+              <a:rPr lang="en-US" dirty="0" smtClean="0"/>
+              <a:t>Attributes </a:t>
+            </a:r>
+            <a:r>
+              <a:rPr lang="en-US" dirty="0"/>
+              <a:t>can be added/changed/removed </a:t>
+            </a:r>
+            <a:r>
+              <a:rPr lang="en-US" dirty="0" smtClean="0"/>
+              <a:t>by products</a:t>
+            </a:r>
+            <a:endParaRPr lang="en-US" dirty="0"/>
+          </a:p>
+          <a:p>
+            <a:r>
+              <a:rPr lang="en-US" dirty="0" smtClean="0"/>
+              <a:t>Application </a:t>
+            </a:r>
+            <a:r>
+              <a:rPr lang="en-US" dirty="0"/>
+              <a:t>must provide an interface </a:t>
+            </a:r>
+            <a:r>
+              <a:rPr lang="en-US" dirty="0" smtClean="0"/>
+              <a:t>to fetch products</a:t>
+            </a:r>
+            <a:endParaRPr lang="en-US" dirty="0"/>
+          </a:p>
+          <a:p>
+            <a:r>
+              <a:rPr lang="en-US" dirty="0" smtClean="0"/>
+              <a:t>Scalability up to 60 </a:t>
+            </a:r>
+            <a:r>
+              <a:rPr lang="en-US" dirty="0" err="1" smtClean="0"/>
+              <a:t>mln</a:t>
+            </a:r>
+            <a:endParaRPr lang="en-US" dirty="0" smtClean="0"/>
           </a:p>
         </p:txBody>
       </p:sp>
     </p:spTree>
     <p:extLst>
       <p:ext uri="{BB962C8B-B14F-4D97-AF65-F5344CB8AC3E}">
-        <p14:creationId xmlns:p14="http://schemas.microsoft.com/office/powerpoint/2010/main" val="4003200329"/>
+        <p14:creationId xmlns:p14="http://schemas.microsoft.com/office/powerpoint/2010/main" val="1571761702"/>
       </p:ext>
     </p:extLst>
   </p:cSld>
   <p:clrMapOvr>
     <a:masterClrMapping/>
   </p:clrMapOvr>
+  <p:timing>
+    <p:tnLst>
+      <p:par>
+        <p:cTn id="1" dur="indefinite" restart="never" nodeType="tmRoot"/>
+      </p:par>
+    </p:tnLst>
+  </p:timing>
 </p:sld>
 </file>
 
@@ -3700,457 +4147,116 @@
       </p:grpSpPr>
       <p:sp>
         <p:nvSpPr>
-          <p:cNvPr id="2" name="Rounded Rectangle 1"/>
-          <p:cNvSpPr/>
-          <p:nvPr/>
-        </p:nvSpPr>
-        <p:spPr>
-          <a:xfrm>
-            <a:off x="2728959" y="4121287"/>
-            <a:ext cx="1872208" cy="2188033"/>
-          </a:xfrm>
-          <a:prstGeom prst="roundRect">
-            <a:avLst/>
-          </a:prstGeom>
-        </p:spPr>
-        <p:style>
-          <a:lnRef idx="2">
-            <a:schemeClr val="accent1">
-              <a:shade val="50000"/>
-            </a:schemeClr>
-          </a:lnRef>
-          <a:fillRef idx="1">
-            <a:schemeClr val="accent1"/>
-          </a:fillRef>
-          <a:effectRef idx="0">
-            <a:schemeClr val="accent1"/>
-          </a:effectRef>
-          <a:fontRef idx="minor">
-            <a:schemeClr val="lt1"/>
-          </a:fontRef>
-        </p:style>
-        <p:txBody>
-          <a:bodyPr rtlCol="0" anchor="ctr"/>
-          <a:lstStyle/>
-          <a:p>
-            <a:pPr algn="ctr"/>
-            <a:r>
-              <a:rPr lang="de-DE" dirty="0" smtClean="0"/>
-              <a:t>Attribut</a:t>
-            </a:r>
-            <a:endParaRPr lang="de-DE" dirty="0" smtClean="0"/>
-          </a:p>
-        </p:txBody>
-      </p:sp>
-      <p:sp>
-        <p:nvSpPr>
-          <p:cNvPr id="3" name="Rounded Rectangle 2"/>
-          <p:cNvSpPr/>
-          <p:nvPr/>
-        </p:nvSpPr>
-        <p:spPr>
-          <a:xfrm>
-            <a:off x="394341" y="2752781"/>
-            <a:ext cx="2376264" cy="1440160"/>
-          </a:xfrm>
-          <a:prstGeom prst="roundRect">
-            <a:avLst/>
-          </a:prstGeom>
-        </p:spPr>
-        <p:style>
-          <a:lnRef idx="2">
-            <a:schemeClr val="accent1">
-              <a:shade val="50000"/>
-            </a:schemeClr>
-          </a:lnRef>
-          <a:fillRef idx="1">
-            <a:schemeClr val="accent1"/>
-          </a:fillRef>
-          <a:effectRef idx="0">
-            <a:schemeClr val="accent1"/>
-          </a:effectRef>
-          <a:fontRef idx="minor">
-            <a:schemeClr val="lt1"/>
-          </a:fontRef>
-        </p:style>
-        <p:txBody>
-          <a:bodyPr rtlCol="0" anchor="ctr"/>
-          <a:lstStyle/>
-          <a:p>
-            <a:pPr algn="ctr"/>
-            <a:r>
-              <a:rPr lang="de-DE" dirty="0" err="1" smtClean="0"/>
-              <a:t>product</a:t>
-            </a:r>
-            <a:endParaRPr lang="de-DE" dirty="0"/>
-          </a:p>
-        </p:txBody>
-      </p:sp>
-      <p:sp>
-        <p:nvSpPr>
-          <p:cNvPr id="4" name="Rounded Rectangle 3"/>
-          <p:cNvSpPr/>
-          <p:nvPr/>
-        </p:nvSpPr>
-        <p:spPr>
-          <a:xfrm>
-            <a:off x="4716016" y="5469872"/>
-            <a:ext cx="1285277" cy="464221"/>
-          </a:xfrm>
-          <a:prstGeom prst="roundRect">
-            <a:avLst/>
-          </a:prstGeom>
-        </p:spPr>
-        <p:style>
-          <a:lnRef idx="2">
-            <a:schemeClr val="accent1">
-              <a:shade val="50000"/>
-            </a:schemeClr>
-          </a:lnRef>
-          <a:fillRef idx="1">
-            <a:schemeClr val="accent1"/>
-          </a:fillRef>
-          <a:effectRef idx="0">
-            <a:schemeClr val="accent1"/>
-          </a:effectRef>
-          <a:fontRef idx="minor">
-            <a:schemeClr val="lt1"/>
-          </a:fontRef>
-        </p:style>
-        <p:txBody>
-          <a:bodyPr rtlCol="0" anchor="ctr"/>
-          <a:lstStyle/>
-          <a:p>
-            <a:pPr algn="ctr"/>
-            <a:r>
-              <a:rPr lang="de-DE" dirty="0" err="1" smtClean="0"/>
-              <a:t>decimal</a:t>
-            </a:r>
-            <a:endParaRPr lang="de-DE" dirty="0"/>
-          </a:p>
-        </p:txBody>
-      </p:sp>
-      <p:cxnSp>
-        <p:nvCxnSpPr>
-          <p:cNvPr id="6" name="Straight Arrow Connector 5"/>
-          <p:cNvCxnSpPr/>
-          <p:nvPr/>
-        </p:nvCxnSpPr>
-        <p:spPr>
-          <a:xfrm flipH="1" flipV="1">
-            <a:off x="2769083" y="3472861"/>
-            <a:ext cx="684076" cy="19920"/>
-          </a:xfrm>
-          <a:prstGeom prst="straightConnector1">
-            <a:avLst/>
-          </a:prstGeom>
-          <a:ln>
-            <a:tailEnd type="triangle"/>
-          </a:ln>
-        </p:spPr>
-        <p:style>
-          <a:lnRef idx="1">
-            <a:schemeClr val="accent1"/>
-          </a:lnRef>
-          <a:fillRef idx="0">
-            <a:schemeClr val="accent1"/>
-          </a:fillRef>
-          <a:effectRef idx="0">
-            <a:schemeClr val="accent1"/>
-          </a:effectRef>
-          <a:fontRef idx="minor">
-            <a:schemeClr val="tx1"/>
-          </a:fontRef>
-        </p:style>
-      </p:cxnSp>
-      <p:cxnSp>
-        <p:nvCxnSpPr>
-          <p:cNvPr id="8" name="Straight Arrow Connector 7"/>
-          <p:cNvCxnSpPr/>
-          <p:nvPr/>
-        </p:nvCxnSpPr>
-        <p:spPr>
-          <a:xfrm>
-            <a:off x="3650524" y="3285974"/>
-            <a:ext cx="0" cy="791098"/>
-          </a:xfrm>
-          <a:prstGeom prst="straightConnector1">
-            <a:avLst/>
-          </a:prstGeom>
-          <a:ln>
-            <a:tailEnd type="triangle"/>
-          </a:ln>
-        </p:spPr>
-        <p:style>
-          <a:lnRef idx="1">
-            <a:schemeClr val="accent1"/>
-          </a:lnRef>
-          <a:fillRef idx="0">
-            <a:schemeClr val="accent1"/>
-          </a:fillRef>
-          <a:effectRef idx="0">
-            <a:schemeClr val="accent1"/>
-          </a:effectRef>
-          <a:fontRef idx="minor">
-            <a:schemeClr val="tx1"/>
-          </a:fontRef>
-        </p:style>
-      </p:cxnSp>
-      <p:sp>
-        <p:nvSpPr>
-          <p:cNvPr id="10" name="Rectangle 9"/>
-          <p:cNvSpPr/>
-          <p:nvPr/>
-        </p:nvSpPr>
-        <p:spPr>
-          <a:xfrm>
-            <a:off x="3398496" y="3297344"/>
-            <a:ext cx="504056" cy="351035"/>
-          </a:xfrm>
-          <a:prstGeom prst="rect">
-            <a:avLst/>
-          </a:prstGeom>
-        </p:spPr>
-        <p:style>
-          <a:lnRef idx="2">
-            <a:schemeClr val="accent1">
-              <a:shade val="50000"/>
-            </a:schemeClr>
-          </a:lnRef>
-          <a:fillRef idx="1">
-            <a:schemeClr val="accent1"/>
-          </a:fillRef>
-          <a:effectRef idx="0">
-            <a:schemeClr val="accent1"/>
-          </a:effectRef>
-          <a:fontRef idx="minor">
-            <a:schemeClr val="lt1"/>
-          </a:fontRef>
-        </p:style>
-        <p:txBody>
-          <a:bodyPr rtlCol="0" anchor="ctr"/>
-          <a:lstStyle/>
-          <a:p>
-            <a:pPr algn="ctr"/>
-            <a:endParaRPr lang="de-DE"/>
-          </a:p>
-        </p:txBody>
-      </p:sp>
-      <p:sp>
-        <p:nvSpPr>
-          <p:cNvPr id="20" name="Rounded Rectangle 19"/>
-          <p:cNvSpPr/>
-          <p:nvPr/>
-        </p:nvSpPr>
-        <p:spPr>
-          <a:xfrm>
-            <a:off x="5551418" y="4573477"/>
-            <a:ext cx="1232227" cy="413688"/>
-          </a:xfrm>
-          <a:prstGeom prst="roundRect">
-            <a:avLst/>
-          </a:prstGeom>
-        </p:spPr>
-        <p:style>
-          <a:lnRef idx="2">
-            <a:schemeClr val="accent1">
-              <a:shade val="50000"/>
-            </a:schemeClr>
-          </a:lnRef>
-          <a:fillRef idx="1">
-            <a:schemeClr val="accent1"/>
-          </a:fillRef>
-          <a:effectRef idx="0">
-            <a:schemeClr val="accent1"/>
-          </a:effectRef>
-          <a:fontRef idx="minor">
-            <a:schemeClr val="lt1"/>
-          </a:fontRef>
-        </p:style>
-        <p:txBody>
-          <a:bodyPr rtlCol="0" anchor="ctr"/>
-          <a:lstStyle/>
-          <a:p>
-            <a:pPr algn="ctr"/>
-            <a:r>
-              <a:rPr lang="de-DE" dirty="0" err="1" smtClean="0"/>
-              <a:t>text</a:t>
-            </a:r>
-            <a:endParaRPr lang="de-DE" dirty="0"/>
-          </a:p>
-        </p:txBody>
-      </p:sp>
-      <p:sp>
-        <p:nvSpPr>
-          <p:cNvPr id="21" name="Rounded Rectangle 20"/>
-          <p:cNvSpPr/>
-          <p:nvPr/>
-        </p:nvSpPr>
-        <p:spPr>
-          <a:xfrm>
-            <a:off x="5087922" y="5013535"/>
-            <a:ext cx="1285277" cy="440171"/>
-          </a:xfrm>
-          <a:prstGeom prst="roundRect">
-            <a:avLst/>
-          </a:prstGeom>
-        </p:spPr>
-        <p:style>
-          <a:lnRef idx="2">
-            <a:schemeClr val="accent1">
-              <a:shade val="50000"/>
-            </a:schemeClr>
-          </a:lnRef>
-          <a:fillRef idx="1">
-            <a:schemeClr val="accent1"/>
-          </a:fillRef>
-          <a:effectRef idx="0">
-            <a:schemeClr val="accent1"/>
-          </a:effectRef>
-          <a:fontRef idx="minor">
-            <a:schemeClr val="lt1"/>
-          </a:fontRef>
-        </p:style>
-        <p:txBody>
-          <a:bodyPr rtlCol="0" anchor="ctr"/>
-          <a:lstStyle/>
-          <a:p>
-            <a:pPr algn="ctr"/>
-            <a:r>
-              <a:rPr lang="de-DE" dirty="0" smtClean="0"/>
-              <a:t>Integer</a:t>
-            </a:r>
-            <a:endParaRPr lang="de-DE" dirty="0"/>
-          </a:p>
-        </p:txBody>
-      </p:sp>
-      <p:sp>
-        <p:nvSpPr>
-          <p:cNvPr id="32" name="Rounded Rectangle 31"/>
-          <p:cNvSpPr/>
-          <p:nvPr/>
-        </p:nvSpPr>
-        <p:spPr>
-          <a:xfrm>
-            <a:off x="5835903" y="3097740"/>
-            <a:ext cx="1440160" cy="684076"/>
-          </a:xfrm>
-          <a:prstGeom prst="roundRect">
-            <a:avLst/>
-          </a:prstGeom>
-        </p:spPr>
-        <p:style>
-          <a:lnRef idx="2">
-            <a:schemeClr val="accent1">
-              <a:shade val="50000"/>
-            </a:schemeClr>
-          </a:lnRef>
-          <a:fillRef idx="1">
-            <a:schemeClr val="accent1"/>
-          </a:fillRef>
-          <a:effectRef idx="0">
-            <a:schemeClr val="accent1"/>
-          </a:effectRef>
-          <a:fontRef idx="minor">
-            <a:schemeClr val="lt1"/>
-          </a:fontRef>
-        </p:style>
-        <p:txBody>
-          <a:bodyPr rtlCol="0" anchor="ctr"/>
-          <a:lstStyle/>
-          <a:p>
-            <a:pPr algn="ctr"/>
-            <a:r>
-              <a:rPr lang="de-AT" dirty="0"/>
-              <a:t>additional</a:t>
-            </a:r>
-            <a:endParaRPr lang="de-DE" dirty="0"/>
-          </a:p>
-        </p:txBody>
-      </p:sp>
-      <p:cxnSp>
-        <p:nvCxnSpPr>
-          <p:cNvPr id="35" name="Straight Arrow Connector 34"/>
-          <p:cNvCxnSpPr>
-            <a:stCxn id="10" idx="3"/>
-          </p:cNvCxnSpPr>
-          <p:nvPr/>
-        </p:nvCxnSpPr>
-        <p:spPr>
-          <a:xfrm flipV="1">
-            <a:off x="3902552" y="3439778"/>
-            <a:ext cx="1852146" cy="33084"/>
-          </a:xfrm>
-          <a:prstGeom prst="straightConnector1">
-            <a:avLst/>
-          </a:prstGeom>
-          <a:ln>
-            <a:tailEnd type="triangle"/>
-          </a:ln>
-        </p:spPr>
-        <p:style>
-          <a:lnRef idx="1">
-            <a:schemeClr val="accent1"/>
-          </a:lnRef>
-          <a:fillRef idx="0">
-            <a:schemeClr val="accent1"/>
-          </a:fillRef>
-          <a:effectRef idx="0">
-            <a:schemeClr val="accent1"/>
-          </a:effectRef>
-          <a:fontRef idx="minor">
-            <a:schemeClr val="tx1"/>
-          </a:fontRef>
-        </p:style>
-      </p:cxnSp>
-      <p:sp>
-        <p:nvSpPr>
-          <p:cNvPr id="26" name="Rounded Rectangle 25"/>
-          <p:cNvSpPr/>
-          <p:nvPr/>
-        </p:nvSpPr>
-        <p:spPr>
-          <a:xfrm>
-            <a:off x="6161950" y="4117281"/>
-            <a:ext cx="1232227" cy="421698"/>
-          </a:xfrm>
-          <a:prstGeom prst="roundRect">
-            <a:avLst/>
-          </a:prstGeom>
-        </p:spPr>
-        <p:style>
-          <a:lnRef idx="2">
-            <a:schemeClr val="accent1">
-              <a:shade val="50000"/>
-            </a:schemeClr>
-          </a:lnRef>
-          <a:fillRef idx="1">
-            <a:schemeClr val="accent1"/>
-          </a:fillRef>
-          <a:effectRef idx="0">
-            <a:schemeClr val="accent1"/>
-          </a:effectRef>
-          <a:fontRef idx="minor">
-            <a:schemeClr val="lt1"/>
-          </a:fontRef>
-        </p:style>
-        <p:txBody>
-          <a:bodyPr rtlCol="0" anchor="ctr"/>
-          <a:lstStyle/>
-          <a:p>
-            <a:pPr algn="ctr"/>
-            <a:r>
-              <a:rPr lang="de-DE" dirty="0" smtClean="0"/>
-              <a:t>…</a:t>
-            </a:r>
-            <a:endParaRPr lang="de-DE" dirty="0"/>
+          <p:cNvPr id="2" name="Title 1"/>
+          <p:cNvSpPr>
+            <a:spLocks noGrp="1"/>
+          </p:cNvSpPr>
+          <p:nvPr>
+            <p:ph type="title"/>
+          </p:nvPr>
+        </p:nvSpPr>
+        <p:spPr/>
+        <p:txBody>
+          <a:bodyPr/>
+          <a:lstStyle/>
+          <a:p>
+            <a:r>
+              <a:rPr lang="de-AT" dirty="0" smtClean="0"/>
+              <a:t>Analyse:</a:t>
+            </a:r>
+            <a:endParaRPr lang="en-GB" dirty="0"/>
+          </a:p>
+        </p:txBody>
+      </p:sp>
+      <p:sp>
+        <p:nvSpPr>
+          <p:cNvPr id="3" name="Content Placeholder 2"/>
+          <p:cNvSpPr>
+            <a:spLocks noGrp="1"/>
+          </p:cNvSpPr>
+          <p:nvPr>
+            <p:ph idx="1"/>
+          </p:nvPr>
+        </p:nvSpPr>
+        <p:spPr/>
+        <p:txBody>
+          <a:bodyPr>
+            <a:normAutofit fontScale="92500" lnSpcReduction="20000"/>
+          </a:bodyPr>
+          <a:lstStyle/>
+          <a:p>
+            <a:r>
+              <a:rPr lang="en-US" dirty="0" smtClean="0"/>
+              <a:t>Fixed quantity of elements (up to 60 </a:t>
+            </a:r>
+            <a:r>
+              <a:rPr lang="en-US" dirty="0" err="1" smtClean="0"/>
+              <a:t>mlo</a:t>
+            </a:r>
+            <a:r>
+              <a:rPr lang="en-US" dirty="0" smtClean="0"/>
+              <a:t>, but not grows)</a:t>
+            </a:r>
+          </a:p>
+          <a:p>
+            <a:endParaRPr lang="en-US" dirty="0" smtClean="0"/>
+          </a:p>
+          <a:p>
+            <a:r>
+              <a:rPr lang="en-US" dirty="0" smtClean="0"/>
+              <a:t>Data </a:t>
+            </a:r>
+            <a:r>
+              <a:rPr lang="en-US" dirty="0" err="1" smtClean="0"/>
+              <a:t>consistansy</a:t>
+            </a:r>
+            <a:r>
+              <a:rPr lang="en-US" dirty="0" smtClean="0"/>
+              <a:t> in priority.</a:t>
+            </a:r>
+          </a:p>
+          <a:p>
+            <a:endParaRPr lang="en-US" dirty="0" smtClean="0"/>
+          </a:p>
+          <a:p>
+            <a:r>
+              <a:rPr lang="en-US" dirty="0" smtClean="0"/>
+              <a:t>Many read/search, low write actions.</a:t>
+            </a:r>
+          </a:p>
+          <a:p>
+            <a:endParaRPr lang="en-US" dirty="0" smtClean="0"/>
+          </a:p>
+          <a:p>
+            <a:r>
+              <a:rPr lang="en-US" dirty="0" smtClean="0"/>
+              <a:t>Different customers – data consume in different types. Logistical service need other data than Marketing Service –different data export schemas.</a:t>
+            </a:r>
+          </a:p>
+          <a:p>
+            <a:endParaRPr lang="en-US" dirty="0" smtClean="0"/>
+          </a:p>
+          <a:p>
+            <a:r>
+              <a:rPr lang="en-US" dirty="0" smtClean="0"/>
+              <a:t>"Consumer" or "Customer" - in this case, any data consumer from the app.</a:t>
+            </a:r>
+          </a:p>
+          <a:p>
+            <a:endParaRPr lang="en-US" dirty="0" smtClean="0"/>
+          </a:p>
+          <a:p>
+            <a:endParaRPr lang="en-US" dirty="0" smtClean="0"/>
+          </a:p>
+          <a:p>
+            <a:endParaRPr lang="en-US" dirty="0"/>
           </a:p>
         </p:txBody>
       </p:sp>
     </p:spTree>
     <p:extLst>
       <p:ext uri="{BB962C8B-B14F-4D97-AF65-F5344CB8AC3E}">
-        <p14:creationId xmlns:p14="http://schemas.microsoft.com/office/powerpoint/2010/main" val="533827793"/>
+        <p14:creationId xmlns:p14="http://schemas.microsoft.com/office/powerpoint/2010/main" val="2565512204"/>
       </p:ext>
     </p:extLst>
   </p:cSld>
@@ -4179,14 +4285,452 @@
       </p:grpSpPr>
       <p:sp>
         <p:nvSpPr>
+          <p:cNvPr id="2" name="Title 1"/>
+          <p:cNvSpPr>
+            <a:spLocks noGrp="1"/>
+          </p:cNvSpPr>
+          <p:nvPr>
+            <p:ph type="title"/>
+          </p:nvPr>
+        </p:nvSpPr>
+        <p:spPr/>
+        <p:txBody>
+          <a:bodyPr/>
+          <a:lstStyle/>
+          <a:p>
+            <a:r>
+              <a:rPr lang="de-AT" dirty="0" smtClean="0"/>
+              <a:t>Suggestion: </a:t>
+            </a:r>
+            <a:r>
+              <a:rPr lang="en-US" dirty="0" smtClean="0"/>
+              <a:t>RDBMS</a:t>
+            </a:r>
+            <a:endParaRPr lang="en-GB" dirty="0"/>
+          </a:p>
+        </p:txBody>
+      </p:sp>
+      <p:sp>
+        <p:nvSpPr>
+          <p:cNvPr id="3" name="Content Placeholder 2"/>
+          <p:cNvSpPr>
+            <a:spLocks noGrp="1"/>
+          </p:cNvSpPr>
+          <p:nvPr>
+            <p:ph idx="1"/>
+          </p:nvPr>
+        </p:nvSpPr>
+        <p:spPr/>
+        <p:txBody>
+          <a:bodyPr>
+            <a:normAutofit fontScale="70000" lnSpcReduction="20000"/>
+          </a:bodyPr>
+          <a:lstStyle/>
+          <a:p>
+            <a:pPr marL="45720" indent="0">
+              <a:buNone/>
+            </a:pPr>
+            <a:r>
+              <a:rPr lang="en-US" sz="2300" dirty="0"/>
+              <a:t>Based on the requirements </a:t>
+            </a:r>
+            <a:r>
+              <a:rPr lang="en-US" sz="2300" dirty="0" smtClean="0"/>
+              <a:t>I consider </a:t>
+            </a:r>
+            <a:r>
+              <a:rPr lang="en-US" sz="2300" dirty="0"/>
+              <a:t>using a</a:t>
+            </a:r>
+            <a:r>
+              <a:rPr lang="en-US" sz="3400" dirty="0"/>
+              <a:t> </a:t>
+            </a:r>
+            <a:r>
+              <a:rPr lang="en-US" sz="3400" b="1" dirty="0"/>
+              <a:t>relational database management system</a:t>
+            </a:r>
+            <a:r>
+              <a:rPr lang="en-US" sz="3400" dirty="0"/>
+              <a:t> </a:t>
+            </a:r>
+            <a:r>
+              <a:rPr lang="en-US" sz="2300" dirty="0" smtClean="0"/>
+              <a:t>like </a:t>
+            </a:r>
+            <a:r>
+              <a:rPr lang="en-US" sz="2300" dirty="0"/>
+              <a:t>PostgreSQL or MySQL</a:t>
+            </a:r>
+            <a:r>
+              <a:rPr lang="en-US" sz="3400" dirty="0"/>
+              <a:t>. </a:t>
+            </a:r>
+            <a:endParaRPr lang="en-US" sz="3400" dirty="0" smtClean="0"/>
+          </a:p>
+          <a:p>
+            <a:endParaRPr lang="en-US" b="1" dirty="0" smtClean="0"/>
+          </a:p>
+          <a:p>
+            <a:r>
+              <a:rPr lang="en-US" b="1" dirty="0" smtClean="0"/>
+              <a:t>Fixed </a:t>
+            </a:r>
+            <a:r>
+              <a:rPr lang="en-US" b="1" dirty="0"/>
+              <a:t>Quantity of Elements:</a:t>
+            </a:r>
+            <a:r>
+              <a:rPr lang="en-US" dirty="0"/>
+              <a:t> </a:t>
+            </a:r>
+            <a:r>
+              <a:rPr lang="en-US" dirty="0" smtClean="0"/>
+              <a:t>an </a:t>
+            </a:r>
+            <a:r>
+              <a:rPr lang="en-US" dirty="0"/>
+              <a:t>RDBMS can handle this scale effectively</a:t>
+            </a:r>
+            <a:r>
+              <a:rPr lang="en-US" dirty="0" smtClean="0"/>
+              <a:t>.</a:t>
+            </a:r>
+          </a:p>
+          <a:p>
+            <a:pPr marL="45720" indent="0">
+              <a:buNone/>
+            </a:pPr>
+            <a:endParaRPr lang="en-US" dirty="0"/>
+          </a:p>
+          <a:p>
+            <a:r>
+              <a:rPr lang="en-US" b="1" dirty="0"/>
+              <a:t>Data Consistency:</a:t>
+            </a:r>
+            <a:r>
+              <a:rPr lang="en-US" dirty="0"/>
+              <a:t> RDBMSs are known for their strong data consistency and transaction support</a:t>
+            </a:r>
+            <a:r>
+              <a:rPr lang="en-US" dirty="0" smtClean="0"/>
+              <a:t>.</a:t>
+            </a:r>
+          </a:p>
+          <a:p>
+            <a:endParaRPr lang="en-US" dirty="0"/>
+          </a:p>
+          <a:p>
+            <a:r>
+              <a:rPr lang="en-US" b="1" dirty="0"/>
+              <a:t>Many Read/Search, Low Write Actions:</a:t>
+            </a:r>
+            <a:r>
+              <a:rPr lang="en-US" dirty="0"/>
+              <a:t> RDBMSs are well-suited for scenarios where you have many read/search operations and relatively fewer write operations. Their indexing capabilities can optimize search queries.</a:t>
+            </a:r>
+          </a:p>
+          <a:p>
+            <a:endParaRPr lang="en-US" b="1" dirty="0" smtClean="0"/>
+          </a:p>
+          <a:p>
+            <a:r>
+              <a:rPr lang="en-US" b="1" dirty="0" smtClean="0"/>
+              <a:t>Different </a:t>
+            </a:r>
+            <a:r>
+              <a:rPr lang="en-US" b="1" dirty="0"/>
+              <a:t>Customers and Data Export Schemas:</a:t>
+            </a:r>
+            <a:r>
+              <a:rPr lang="en-US" dirty="0"/>
+              <a:t> RDBMSs </a:t>
+            </a:r>
+            <a:r>
+              <a:rPr lang="en-US" dirty="0" smtClean="0"/>
+              <a:t>allows to </a:t>
+            </a:r>
+            <a:r>
+              <a:rPr lang="en-US" dirty="0"/>
+              <a:t>define and enforce different schemas for different customers. </a:t>
+            </a:r>
+            <a:r>
+              <a:rPr lang="en-US" dirty="0" smtClean="0"/>
+              <a:t>We can create </a:t>
+            </a:r>
+            <a:r>
+              <a:rPr lang="en-US" dirty="0"/>
+              <a:t>separate </a:t>
+            </a:r>
+            <a:r>
+              <a:rPr lang="en-US" dirty="0" smtClean="0"/>
+              <a:t>views </a:t>
+            </a:r>
+            <a:r>
+              <a:rPr lang="en-US" dirty="0"/>
+              <a:t>to represent the data differently for </a:t>
+            </a:r>
+            <a:r>
+              <a:rPr lang="en-US" dirty="0" smtClean="0"/>
+              <a:t>different data consumers.</a:t>
+            </a:r>
+            <a:endParaRPr lang="en-US" dirty="0"/>
+          </a:p>
+        </p:txBody>
+      </p:sp>
+    </p:spTree>
+    <p:extLst>
+      <p:ext uri="{BB962C8B-B14F-4D97-AF65-F5344CB8AC3E}">
+        <p14:creationId xmlns:p14="http://schemas.microsoft.com/office/powerpoint/2010/main" val="2487009918"/>
+      </p:ext>
+    </p:extLst>
+  </p:cSld>
+  <p:clrMapOvr>
+    <a:masterClrMapping/>
+  </p:clrMapOvr>
+</p:sld>
+</file>
+
+<file path=ppt/slides/slide5.xml><?xml version="1.0" encoding="utf-8"?>
+<p:sld xmlns:a="http://schemas.openxmlformats.org/drawingml/2006/main" xmlns:r="http://schemas.openxmlformats.org/officeDocument/2006/relationships" xmlns:p="http://schemas.openxmlformats.org/presentationml/2006/main">
+  <p:cSld>
+    <p:spTree>
+      <p:nvGrpSpPr>
+        <p:cNvPr id="1" name=""/>
+        <p:cNvGrpSpPr/>
+        <p:nvPr/>
+      </p:nvGrpSpPr>
+      <p:grpSpPr>
+        <a:xfrm>
+          <a:off x="0" y="0"/>
+          <a:ext cx="0" cy="0"/>
+          <a:chOff x="0" y="0"/>
+          <a:chExt cx="0" cy="0"/>
+        </a:xfrm>
+      </p:grpSpPr>
+      <p:sp>
+        <p:nvSpPr>
+          <p:cNvPr id="2" name="Title 1"/>
+          <p:cNvSpPr>
+            <a:spLocks noGrp="1"/>
+          </p:cNvSpPr>
+          <p:nvPr>
+            <p:ph type="title"/>
+          </p:nvPr>
+        </p:nvSpPr>
+        <p:spPr/>
+        <p:txBody>
+          <a:bodyPr/>
+          <a:lstStyle/>
+          <a:p>
+            <a:r>
+              <a:rPr lang="en-GB" dirty="0" smtClean="0"/>
+              <a:t>Base ideas of Data Storage:</a:t>
+            </a:r>
+            <a:endParaRPr lang="en-GB" dirty="0"/>
+          </a:p>
+        </p:txBody>
+      </p:sp>
+      <p:sp>
+        <p:nvSpPr>
+          <p:cNvPr id="3" name="Content Placeholder 2"/>
+          <p:cNvSpPr>
+            <a:spLocks noGrp="1"/>
+          </p:cNvSpPr>
+          <p:nvPr>
+            <p:ph idx="1"/>
+          </p:nvPr>
+        </p:nvSpPr>
+        <p:spPr/>
+        <p:txBody>
+          <a:bodyPr>
+            <a:normAutofit fontScale="55000" lnSpcReduction="20000"/>
+          </a:bodyPr>
+          <a:lstStyle/>
+          <a:p>
+            <a:r>
+              <a:rPr lang="en-US" sz="2200" dirty="0" smtClean="0"/>
+              <a:t>"</a:t>
+            </a:r>
+            <a:r>
+              <a:rPr lang="en-US" sz="2200" b="1" dirty="0"/>
+              <a:t>Product</a:t>
+            </a:r>
+            <a:r>
+              <a:rPr lang="en-US" sz="2200" dirty="0"/>
+              <a:t>" - a simple container that accumulates links to its own properties. It also contains links to images and information about which template was used when adding this product</a:t>
+            </a:r>
+            <a:r>
+              <a:rPr lang="en-US" sz="2200" dirty="0" smtClean="0"/>
+              <a:t>.</a:t>
+            </a:r>
+          </a:p>
+          <a:p>
+            <a:endParaRPr lang="en-US" sz="2200" dirty="0"/>
+          </a:p>
+          <a:p>
+            <a:r>
+              <a:rPr lang="en-US" sz="2200" b="1" dirty="0"/>
+              <a:t>"Property"</a:t>
+            </a:r>
+            <a:r>
+              <a:rPr lang="en-US" sz="2200" dirty="0"/>
+              <a:t> - a single parameter of a concrete product. It </a:t>
+            </a:r>
+            <a:r>
+              <a:rPr lang="en-US" sz="2200" dirty="0" smtClean="0"/>
+              <a:t>contains value</a:t>
+            </a:r>
+            <a:r>
+              <a:rPr lang="en-US" sz="2200" dirty="0"/>
+              <a:t>, </a:t>
+            </a:r>
+            <a:r>
+              <a:rPr lang="en-US" sz="2200" dirty="0" smtClean="0"/>
+              <a:t>has </a:t>
+            </a:r>
+            <a:r>
+              <a:rPr lang="en-US" sz="2200" dirty="0"/>
+              <a:t>links to the product, </a:t>
+            </a:r>
+            <a:r>
+              <a:rPr lang="en-US" sz="2200" dirty="0" smtClean="0"/>
+              <a:t>attribute, </a:t>
+            </a:r>
+            <a:r>
+              <a:rPr lang="en-US" sz="2200" dirty="0"/>
+              <a:t>and additional information about the value. It probably also has an ordering number within the product.</a:t>
+            </a:r>
+          </a:p>
+          <a:p>
+            <a:endParaRPr lang="en-US" sz="2200" dirty="0" smtClean="0"/>
+          </a:p>
+          <a:p>
+            <a:r>
+              <a:rPr lang="en-US" sz="2200" b="1" dirty="0" smtClean="0"/>
+              <a:t>"</a:t>
+            </a:r>
+            <a:r>
+              <a:rPr lang="en-US" sz="2200" b="1" dirty="0"/>
+              <a:t>Attribute"</a:t>
+            </a:r>
+            <a:r>
+              <a:rPr lang="en-US" sz="2200" dirty="0"/>
+              <a:t> - a container for common data about values of its own type and information on how the concrete value should be transformed for different parts of computation.</a:t>
+            </a:r>
+          </a:p>
+          <a:p>
+            <a:endParaRPr lang="en-US" sz="2200" dirty="0" smtClean="0"/>
+          </a:p>
+          <a:p>
+            <a:r>
+              <a:rPr lang="en-US" sz="2200" b="1" dirty="0" smtClean="0"/>
+              <a:t>"</a:t>
+            </a:r>
+            <a:r>
+              <a:rPr lang="en-US" sz="2200" b="1" dirty="0"/>
+              <a:t>Product Template" </a:t>
+            </a:r>
+            <a:r>
+              <a:rPr lang="en-US" sz="2200" dirty="0"/>
+              <a:t>- a collection of links to mandatory attributes for a concrete product that will be created. The template for shoes may have different attributes than the template for shirts</a:t>
+            </a:r>
+            <a:r>
+              <a:rPr lang="en-US" sz="2200" dirty="0" smtClean="0"/>
+              <a:t>.</a:t>
+            </a:r>
+          </a:p>
+          <a:p>
+            <a:endParaRPr lang="en-US" sz="2200" dirty="0" smtClean="0"/>
+          </a:p>
+          <a:p>
+            <a:r>
+              <a:rPr lang="en-US" sz="2200" b="1" dirty="0" smtClean="0"/>
+              <a:t>"Additional information" </a:t>
+            </a:r>
+            <a:r>
+              <a:rPr lang="en-US" sz="2200" dirty="0"/>
+              <a:t>– any additional information about the related object (image, description, titles, </a:t>
+            </a:r>
+            <a:r>
+              <a:rPr lang="en-US" sz="2200" dirty="0" smtClean="0"/>
+              <a:t>multilingual </a:t>
+            </a:r>
+            <a:r>
+              <a:rPr lang="en-US" sz="2200" dirty="0"/>
+              <a:t>information etc.), may be realized in other art of </a:t>
+            </a:r>
+            <a:r>
+              <a:rPr lang="en-US" sz="2200" dirty="0" smtClean="0"/>
+              <a:t>data storage </a:t>
+            </a:r>
+            <a:r>
+              <a:rPr lang="en-US" sz="2200" dirty="0"/>
+              <a:t>like Document-oriented </a:t>
+            </a:r>
+            <a:r>
+              <a:rPr lang="en-US" sz="2200" dirty="0" smtClean="0"/>
+              <a:t>database.</a:t>
+            </a:r>
+          </a:p>
+          <a:p>
+            <a:endParaRPr lang="en-US" sz="2200" dirty="0"/>
+          </a:p>
+          <a:p>
+            <a:r>
+              <a:rPr lang="en-US" sz="2200" dirty="0" smtClean="0"/>
+              <a:t>"Media storage" – contains additional resources, like a Video or Images. </a:t>
+            </a:r>
+            <a:r>
+              <a:rPr lang="en-US" sz="2200" dirty="0"/>
+              <a:t>may be realized in other art of data storage</a:t>
+            </a:r>
+          </a:p>
+          <a:p>
+            <a:endParaRPr lang="en-US" dirty="0"/>
+          </a:p>
+        </p:txBody>
+      </p:sp>
+    </p:spTree>
+    <p:extLst>
+      <p:ext uri="{BB962C8B-B14F-4D97-AF65-F5344CB8AC3E}">
+        <p14:creationId xmlns:p14="http://schemas.microsoft.com/office/powerpoint/2010/main" val="4202845163"/>
+      </p:ext>
+    </p:extLst>
+  </p:cSld>
+  <p:clrMapOvr>
+    <a:masterClrMapping/>
+  </p:clrMapOvr>
+</p:sld>
+</file>
+
+<file path=ppt/slides/slide6.xml><?xml version="1.0" encoding="utf-8"?>
+<p:sld xmlns:a="http://schemas.openxmlformats.org/drawingml/2006/main" xmlns:r="http://schemas.openxmlformats.org/officeDocument/2006/relationships" xmlns:p="http://schemas.openxmlformats.org/presentationml/2006/main">
+  <p:cSld>
+    <p:spTree>
+      <p:nvGrpSpPr>
+        <p:cNvPr id="1" name=""/>
+        <p:cNvGrpSpPr/>
+        <p:nvPr/>
+      </p:nvGrpSpPr>
+      <p:grpSpPr>
+        <a:xfrm>
+          <a:off x="0" y="0"/>
+          <a:ext cx="0" cy="0"/>
+          <a:chOff x="0" y="0"/>
+          <a:chExt cx="0" cy="0"/>
+        </a:xfrm>
+      </p:grpSpPr>
+      <p:sp>
+        <p:nvSpPr>
           <p:cNvPr id="2" name="Rounded Rectangle 1"/>
           <p:cNvSpPr/>
           <p:nvPr/>
         </p:nvSpPr>
         <p:spPr>
           <a:xfrm>
-            <a:off x="5227507" y="757569"/>
-            <a:ext cx="2952328" cy="1201631"/>
+            <a:off x="3838372" y="4978450"/>
+            <a:ext cx="1872208" cy="1251929"/>
           </a:xfrm>
           <a:prstGeom prst="roundRect">
             <a:avLst/>
@@ -4214,61 +4758,20 @@
           <a:p>
             <a:pPr algn="ctr"/>
             <a:r>
-              <a:rPr lang="de-DE" dirty="0" smtClean="0"/>
-              <a:t>Attribut  Producer</a:t>
+              <a:rPr lang="en-US" dirty="0" smtClean="0"/>
+              <a:t>Attribute</a:t>
             </a:r>
           </a:p>
           <a:p>
             <a:pPr algn="ctr"/>
             <a:r>
-              <a:rPr lang="de-DE" dirty="0" smtClean="0"/>
-              <a:t>Type </a:t>
-            </a:r>
-            <a:r>
-              <a:rPr lang="de-DE" dirty="0" err="1" smtClean="0"/>
-              <a:t>int</a:t>
-            </a:r>
-            <a:r>
-              <a:rPr lang="de-DE" dirty="0" smtClean="0"/>
-              <a:t>/</a:t>
-            </a:r>
-            <a:r>
-              <a:rPr lang="de-DE" dirty="0" err="1" smtClean="0"/>
-              <a:t>dec</a:t>
-            </a:r>
-            <a:r>
-              <a:rPr lang="de-DE" dirty="0" smtClean="0"/>
-              <a:t>/</a:t>
-            </a:r>
-            <a:r>
-              <a:rPr lang="de-DE" dirty="0" err="1" smtClean="0"/>
-              <a:t>char</a:t>
-            </a:r>
-            <a:r>
-              <a:rPr lang="de-DE" dirty="0" smtClean="0"/>
-              <a:t>/</a:t>
-            </a:r>
-            <a:r>
-              <a:rPr lang="de-DE" dirty="0" err="1" smtClean="0"/>
-              <a:t>selectchar</a:t>
-            </a:r>
-            <a:r>
-              <a:rPr lang="de-DE" dirty="0" smtClean="0"/>
-              <a:t>/</a:t>
-            </a:r>
-            <a:r>
-              <a:rPr lang="de-DE" dirty="0" err="1" smtClean="0"/>
-              <a:t>selectint</a:t>
-            </a:r>
-            <a:r>
-              <a:rPr lang="de-DE" dirty="0" smtClean="0"/>
-              <a:t>/</a:t>
-            </a:r>
-            <a:r>
-              <a:rPr lang="de-DE" dirty="0" err="1" smtClean="0"/>
-              <a:t>selectdec</a:t>
-            </a:r>
-            <a:endParaRPr lang="de-DE" dirty="0" smtClean="0"/>
+              <a:rPr lang="en-US" dirty="0" smtClean="0"/>
+              <a:t>"Producer"</a:t>
+            </a:r>
+          </a:p>
+          <a:p>
+            <a:pPr algn="ctr"/>
+            <a:endParaRPr lang="en-US" dirty="0" smtClean="0"/>
           </a:p>
         </p:txBody>
       </p:sp>
@@ -4280,7 +4783,7 @@
         </p:nvSpPr>
         <p:spPr>
           <a:xfrm>
-            <a:off x="286031" y="2816932"/>
+            <a:off x="328957" y="2906757"/>
             <a:ext cx="2376264" cy="1440160"/>
           </a:xfrm>
           <a:prstGeom prst="roundRect">
@@ -4309,10 +4812,21 @@
           <a:p>
             <a:pPr algn="ctr"/>
             <a:r>
-              <a:rPr lang="de-DE" dirty="0" err="1" smtClean="0"/>
-              <a:t>product</a:t>
-            </a:r>
-            <a:endParaRPr lang="de-DE" dirty="0"/>
+              <a:rPr lang="en-US" dirty="0" smtClean="0"/>
+              <a:t>Product</a:t>
+            </a:r>
+          </a:p>
+          <a:p>
+            <a:pPr algn="ctr"/>
+            <a:endParaRPr lang="en-US" dirty="0" smtClean="0"/>
+          </a:p>
+          <a:p>
+            <a:pPr algn="ctr"/>
+            <a:r>
+              <a:rPr lang="en-US" dirty="0" smtClean="0"/>
+              <a:t>Name</a:t>
+            </a:r>
+            <a:endParaRPr lang="en-US" dirty="0"/>
           </a:p>
         </p:txBody>
       </p:sp>
@@ -4323,409 +4837,9 @@
           <p:nvPr/>
         </p:nvCxnSpPr>
         <p:spPr>
-          <a:xfrm flipV="1">
-            <a:off x="2770307" y="3537011"/>
-            <a:ext cx="793581" cy="1"/>
-          </a:xfrm>
-          <a:prstGeom prst="straightConnector1">
-            <a:avLst/>
-          </a:prstGeom>
-          <a:ln>
-            <a:tailEnd type="triangle"/>
-          </a:ln>
-        </p:spPr>
-        <p:style>
-          <a:lnRef idx="1">
-            <a:schemeClr val="accent1"/>
-          </a:lnRef>
-          <a:fillRef idx="0">
-            <a:schemeClr val="accent1"/>
-          </a:fillRef>
-          <a:effectRef idx="0">
-            <a:schemeClr val="accent1"/>
-          </a:effectRef>
-          <a:fontRef idx="minor">
-            <a:schemeClr val="tx1"/>
-          </a:fontRef>
-        </p:style>
-      </p:cxnSp>
-      <p:sp>
-        <p:nvSpPr>
-          <p:cNvPr id="10" name="Rectangle 9"/>
-          <p:cNvSpPr/>
-          <p:nvPr/>
-        </p:nvSpPr>
-        <p:spPr>
-          <a:xfrm>
-            <a:off x="3631776" y="3361493"/>
-            <a:ext cx="813463" cy="351035"/>
-          </a:xfrm>
-          <a:prstGeom prst="rect">
-            <a:avLst/>
-          </a:prstGeom>
-        </p:spPr>
-        <p:style>
-          <a:lnRef idx="2">
-            <a:schemeClr val="accent1">
-              <a:shade val="50000"/>
-            </a:schemeClr>
-          </a:lnRef>
-          <a:fillRef idx="1">
-            <a:schemeClr val="accent1"/>
-          </a:fillRef>
-          <a:effectRef idx="0">
-            <a:schemeClr val="accent1"/>
-          </a:effectRef>
-          <a:fontRef idx="minor">
-            <a:schemeClr val="lt1"/>
-          </a:fontRef>
-        </p:style>
-        <p:txBody>
-          <a:bodyPr rtlCol="0" anchor="ctr"/>
-          <a:lstStyle/>
-          <a:p>
-            <a:pPr algn="ctr"/>
-            <a:endParaRPr lang="de-DE"/>
-          </a:p>
-        </p:txBody>
-      </p:sp>
-      <p:cxnSp>
-        <p:nvCxnSpPr>
-          <p:cNvPr id="19" name="Straight Arrow Connector 18"/>
-          <p:cNvCxnSpPr>
-            <a:stCxn id="10" idx="3"/>
-            <a:endCxn id="32" idx="1"/>
-          </p:cNvCxnSpPr>
-          <p:nvPr/>
-        </p:nvCxnSpPr>
-        <p:spPr>
-          <a:xfrm flipV="1">
-            <a:off x="4445239" y="3497939"/>
-            <a:ext cx="786448" cy="39072"/>
-          </a:xfrm>
-          <a:prstGeom prst="straightConnector1">
-            <a:avLst/>
-          </a:prstGeom>
-          <a:ln>
-            <a:tailEnd type="triangle"/>
-          </a:ln>
-        </p:spPr>
-        <p:style>
-          <a:lnRef idx="1">
-            <a:schemeClr val="accent1"/>
-          </a:lnRef>
-          <a:fillRef idx="0">
-            <a:schemeClr val="accent1"/>
-          </a:fillRef>
-          <a:effectRef idx="0">
-            <a:schemeClr val="accent1"/>
-          </a:effectRef>
-          <a:fontRef idx="minor">
-            <a:schemeClr val="tx1"/>
-          </a:fontRef>
-        </p:style>
-      </p:cxnSp>
-      <p:sp>
-        <p:nvSpPr>
-          <p:cNvPr id="32" name="Rounded Rectangle 31"/>
-          <p:cNvSpPr/>
-          <p:nvPr/>
-        </p:nvSpPr>
-        <p:spPr>
-          <a:xfrm>
-            <a:off x="5231687" y="2768857"/>
-            <a:ext cx="3031022" cy="1458164"/>
-          </a:xfrm>
-          <a:prstGeom prst="roundRect">
-            <a:avLst/>
-          </a:prstGeom>
-        </p:spPr>
-        <p:style>
-          <a:lnRef idx="2">
-            <a:schemeClr val="accent1">
-              <a:shade val="50000"/>
-            </a:schemeClr>
-          </a:lnRef>
-          <a:fillRef idx="1">
-            <a:schemeClr val="accent1"/>
-          </a:fillRef>
-          <a:effectRef idx="0">
-            <a:schemeClr val="accent1"/>
-          </a:effectRef>
-          <a:fontRef idx="minor">
-            <a:schemeClr val="lt1"/>
-          </a:fontRef>
-        </p:style>
-        <p:txBody>
-          <a:bodyPr rtlCol="0" anchor="ctr"/>
-          <a:lstStyle/>
-          <a:p>
-            <a:pPr algn="ctr"/>
-            <a:r>
-              <a:rPr lang="de-DE" dirty="0" smtClean="0"/>
-              <a:t>Value. </a:t>
-            </a:r>
-          </a:p>
-          <a:p>
-            <a:pPr algn="ctr"/>
-            <a:r>
-              <a:rPr lang="de-DE" dirty="0" err="1" smtClean="0"/>
-              <a:t>int</a:t>
-            </a:r>
-            <a:r>
-              <a:rPr lang="de-DE" dirty="0" smtClean="0"/>
-              <a:t>/</a:t>
-            </a:r>
-            <a:r>
-              <a:rPr lang="de-DE" dirty="0" err="1" smtClean="0"/>
-              <a:t>decimal</a:t>
-            </a:r>
-            <a:r>
-              <a:rPr lang="de-DE" dirty="0" smtClean="0"/>
-              <a:t>/</a:t>
-            </a:r>
-            <a:r>
-              <a:rPr lang="de-DE" dirty="0" err="1" smtClean="0"/>
-              <a:t>char</a:t>
-            </a:r>
-            <a:endParaRPr lang="de-DE" dirty="0" smtClean="0"/>
-          </a:p>
-          <a:p>
-            <a:pPr algn="ctr"/>
-            <a:endParaRPr lang="de-DE" dirty="0" smtClean="0"/>
-          </a:p>
-        </p:txBody>
-      </p:sp>
-      <p:sp>
-        <p:nvSpPr>
-          <p:cNvPr id="40" name="Rectangle 39"/>
-          <p:cNvSpPr/>
-          <p:nvPr/>
-        </p:nvSpPr>
-        <p:spPr>
-          <a:xfrm>
-            <a:off x="395536" y="5193195"/>
-            <a:ext cx="8280920" cy="1080120"/>
-          </a:xfrm>
-          <a:prstGeom prst="rect">
-            <a:avLst/>
-          </a:prstGeom>
-        </p:spPr>
-        <p:style>
-          <a:lnRef idx="2">
-            <a:schemeClr val="accent1">
-              <a:shade val="50000"/>
-            </a:schemeClr>
-          </a:lnRef>
-          <a:fillRef idx="1">
-            <a:schemeClr val="accent1"/>
-          </a:fillRef>
-          <a:effectRef idx="0">
-            <a:schemeClr val="accent1"/>
-          </a:effectRef>
-          <a:fontRef idx="minor">
-            <a:schemeClr val="lt1"/>
-          </a:fontRef>
-        </p:style>
-        <p:txBody>
-          <a:bodyPr rtlCol="0" anchor="ctr"/>
-          <a:lstStyle/>
-          <a:p>
-            <a:pPr algn="ctr"/>
-            <a:endParaRPr lang="de-DE"/>
-          </a:p>
-        </p:txBody>
-      </p:sp>
-      <p:sp>
-        <p:nvSpPr>
-          <p:cNvPr id="41" name="Rectangle 40"/>
-          <p:cNvSpPr/>
-          <p:nvPr/>
-        </p:nvSpPr>
-        <p:spPr>
-          <a:xfrm>
-            <a:off x="683568" y="5517232"/>
-            <a:ext cx="2232248" cy="432048"/>
-          </a:xfrm>
-          <a:prstGeom prst="rect">
-            <a:avLst/>
-          </a:prstGeom>
-        </p:spPr>
-        <p:style>
-          <a:lnRef idx="2">
-            <a:schemeClr val="accent1">
-              <a:shade val="50000"/>
-            </a:schemeClr>
-          </a:lnRef>
-          <a:fillRef idx="1">
-            <a:schemeClr val="accent1"/>
-          </a:fillRef>
-          <a:effectRef idx="0">
-            <a:schemeClr val="accent1"/>
-          </a:effectRef>
-          <a:fontRef idx="minor">
-            <a:schemeClr val="lt1"/>
-          </a:fontRef>
-        </p:style>
-        <p:txBody>
-          <a:bodyPr rtlCol="0" anchor="ctr"/>
-          <a:lstStyle/>
-          <a:p>
-            <a:pPr algn="ctr"/>
-            <a:r>
-              <a:rPr lang="de-DE" dirty="0" err="1" smtClean="0"/>
-              <a:t>attribut</a:t>
-            </a:r>
-            <a:endParaRPr lang="de-DE" dirty="0"/>
-          </a:p>
-        </p:txBody>
-      </p:sp>
-      <p:sp>
-        <p:nvSpPr>
-          <p:cNvPr id="42" name="Rounded Rectangle 41"/>
-          <p:cNvSpPr/>
-          <p:nvPr/>
-        </p:nvSpPr>
-        <p:spPr>
-          <a:xfrm>
-            <a:off x="3210147" y="5517232"/>
-            <a:ext cx="1174252" cy="432046"/>
-          </a:xfrm>
-          <a:prstGeom prst="roundRect">
-            <a:avLst/>
-          </a:prstGeom>
-        </p:spPr>
-        <p:style>
-          <a:lnRef idx="2">
-            <a:schemeClr val="accent1">
-              <a:shade val="50000"/>
-            </a:schemeClr>
-          </a:lnRef>
-          <a:fillRef idx="1">
-            <a:schemeClr val="accent1"/>
-          </a:fillRef>
-          <a:effectRef idx="0">
-            <a:schemeClr val="accent1"/>
-          </a:effectRef>
-          <a:fontRef idx="minor">
-            <a:schemeClr val="lt1"/>
-          </a:fontRef>
-        </p:style>
-        <p:txBody>
-          <a:bodyPr rtlCol="0" anchor="ctr"/>
-          <a:lstStyle/>
-          <a:p>
-            <a:pPr algn="ctr"/>
-            <a:r>
-              <a:rPr lang="de-DE" dirty="0" err="1" smtClean="0"/>
-              <a:t>int</a:t>
-            </a:r>
-            <a:endParaRPr lang="de-DE" dirty="0"/>
-          </a:p>
-        </p:txBody>
-      </p:sp>
-      <p:sp>
-        <p:nvSpPr>
-          <p:cNvPr id="43" name="Rounded Rectangle 42"/>
-          <p:cNvSpPr/>
-          <p:nvPr/>
-        </p:nvSpPr>
-        <p:spPr>
-          <a:xfrm>
-            <a:off x="4057435" y="5517232"/>
-            <a:ext cx="1174252" cy="432046"/>
-          </a:xfrm>
-          <a:prstGeom prst="roundRect">
-            <a:avLst/>
-          </a:prstGeom>
-        </p:spPr>
-        <p:style>
-          <a:lnRef idx="2">
-            <a:schemeClr val="accent1">
-              <a:shade val="50000"/>
-            </a:schemeClr>
-          </a:lnRef>
-          <a:fillRef idx="1">
-            <a:schemeClr val="accent1"/>
-          </a:fillRef>
-          <a:effectRef idx="0">
-            <a:schemeClr val="accent1"/>
-          </a:effectRef>
-          <a:fontRef idx="minor">
-            <a:schemeClr val="lt1"/>
-          </a:fontRef>
-        </p:style>
-        <p:txBody>
-          <a:bodyPr rtlCol="0" anchor="ctr"/>
-          <a:lstStyle/>
-          <a:p>
-            <a:pPr algn="ctr"/>
-            <a:r>
-              <a:rPr lang="de-DE" dirty="0" err="1" smtClean="0"/>
-              <a:t>decimal</a:t>
-            </a:r>
-            <a:endParaRPr lang="de-DE" dirty="0"/>
-          </a:p>
-        </p:txBody>
-      </p:sp>
-      <p:sp>
-        <p:nvSpPr>
-          <p:cNvPr id="44" name="Rounded Rectangle 43"/>
-          <p:cNvSpPr/>
-          <p:nvPr/>
-        </p:nvSpPr>
-        <p:spPr>
-          <a:xfrm>
-            <a:off x="5129226" y="5517232"/>
-            <a:ext cx="1333820" cy="432046"/>
-          </a:xfrm>
-          <a:prstGeom prst="roundRect">
-            <a:avLst/>
-          </a:prstGeom>
-        </p:spPr>
-        <p:style>
-          <a:lnRef idx="2">
-            <a:schemeClr val="accent1">
-              <a:shade val="50000"/>
-            </a:schemeClr>
-          </a:lnRef>
-          <a:fillRef idx="1">
-            <a:schemeClr val="accent1"/>
-          </a:fillRef>
-          <a:effectRef idx="0">
-            <a:schemeClr val="accent1"/>
-          </a:effectRef>
-          <a:fontRef idx="minor">
-            <a:schemeClr val="lt1"/>
-          </a:fontRef>
-        </p:style>
-        <p:txBody>
-          <a:bodyPr rtlCol="0" anchor="ctr"/>
-          <a:lstStyle/>
-          <a:p>
-            <a:pPr algn="ctr"/>
-            <a:r>
-              <a:rPr lang="de-DE" dirty="0" smtClean="0"/>
-              <a:t>Input </a:t>
-            </a:r>
-            <a:r>
-              <a:rPr lang="de-DE" dirty="0" err="1" smtClean="0"/>
-              <a:t>text</a:t>
-            </a:r>
-            <a:endParaRPr lang="de-DE" dirty="0"/>
-          </a:p>
-        </p:txBody>
-      </p:sp>
-      <p:cxnSp>
-        <p:nvCxnSpPr>
-          <p:cNvPr id="47" name="Straight Arrow Connector 46"/>
-          <p:cNvCxnSpPr/>
-          <p:nvPr/>
-        </p:nvCxnSpPr>
-        <p:spPr>
-          <a:xfrm flipH="1">
-            <a:off x="6665905" y="2067317"/>
-            <a:ext cx="553" cy="701540"/>
+          <a:xfrm flipH="1" flipV="1">
+            <a:off x="2705221" y="3762177"/>
+            <a:ext cx="747938" cy="594700"/>
           </a:xfrm>
           <a:prstGeom prst="straightConnector1">
             <a:avLst/>
@@ -4751,14 +4865,14 @@
       </p:cxnSp>
       <p:cxnSp>
         <p:nvCxnSpPr>
-          <p:cNvPr id="49" name="Straight Arrow Connector 48"/>
+          <p:cNvPr id="8" name="Straight Arrow Connector 7"/>
           <p:cNvCxnSpPr/>
           <p:nvPr/>
         </p:nvCxnSpPr>
         <p:spPr>
-          <a:xfrm flipH="1" flipV="1">
-            <a:off x="6876256" y="4257092"/>
-            <a:ext cx="216024" cy="906032"/>
+          <a:xfrm>
+            <a:off x="3650524" y="4150070"/>
+            <a:ext cx="777460" cy="791098"/>
           </a:xfrm>
           <a:prstGeom prst="straightConnector1">
             <a:avLst/>
@@ -4784,16 +4898,16 @@
       </p:cxnSp>
       <p:sp>
         <p:nvSpPr>
-          <p:cNvPr id="50" name="Rounded Rectangle 49"/>
+          <p:cNvPr id="10" name="Rectangle 9"/>
           <p:cNvSpPr/>
           <p:nvPr/>
         </p:nvSpPr>
         <p:spPr>
           <a:xfrm>
-            <a:off x="6660232" y="5520406"/>
-            <a:ext cx="1333820" cy="432046"/>
-          </a:xfrm>
-          <a:prstGeom prst="roundRect">
+            <a:off x="3398495" y="4161440"/>
+            <a:ext cx="1746851" cy="351035"/>
+          </a:xfrm>
+          <a:prstGeom prst="rect">
             <a:avLst/>
           </a:prstGeom>
         </p:spPr>
@@ -4819,25 +4933,2574 @@
           <a:p>
             <a:pPr algn="ctr"/>
             <a:r>
-              <a:rPr lang="de-DE" dirty="0" err="1" smtClean="0"/>
-              <a:t>Fk</a:t>
-            </a:r>
-            <a:r>
-              <a:rPr lang="de-DE" dirty="0" smtClean="0"/>
-              <a:t> </a:t>
-            </a:r>
-            <a:r>
-              <a:rPr lang="de-DE" dirty="0" err="1" smtClean="0"/>
-              <a:t>select</a:t>
-            </a:r>
-            <a:endParaRPr lang="de-DE" dirty="0"/>
+              <a:rPr lang="en-US" dirty="0" err="1" smtClean="0"/>
+              <a:t>adidas</a:t>
+            </a:r>
+            <a:endParaRPr lang="en-US" dirty="0"/>
+          </a:p>
+        </p:txBody>
+      </p:sp>
+      <p:sp>
+        <p:nvSpPr>
+          <p:cNvPr id="20" name="Rounded Rectangle 19"/>
+          <p:cNvSpPr/>
+          <p:nvPr/>
+        </p:nvSpPr>
+        <p:spPr>
+          <a:xfrm>
+            <a:off x="4230350" y="5778038"/>
+            <a:ext cx="1232227" cy="413688"/>
+          </a:xfrm>
+          <a:prstGeom prst="roundRect">
+            <a:avLst/>
+          </a:prstGeom>
+        </p:spPr>
+        <p:style>
+          <a:lnRef idx="2">
+            <a:schemeClr val="accent1">
+              <a:shade val="50000"/>
+            </a:schemeClr>
+          </a:lnRef>
+          <a:fillRef idx="1">
+            <a:schemeClr val="accent1"/>
+          </a:fillRef>
+          <a:effectRef idx="0">
+            <a:schemeClr val="accent1"/>
+          </a:effectRef>
+          <a:fontRef idx="minor">
+            <a:schemeClr val="lt1"/>
+          </a:fontRef>
+        </p:style>
+        <p:txBody>
+          <a:bodyPr rtlCol="0" anchor="ctr"/>
+          <a:lstStyle/>
+          <a:p>
+            <a:pPr algn="ctr"/>
+            <a:r>
+              <a:rPr lang="en-US" dirty="0" smtClean="0"/>
+              <a:t>text</a:t>
+            </a:r>
+            <a:endParaRPr lang="en-US" dirty="0"/>
+          </a:p>
+        </p:txBody>
+      </p:sp>
+      <p:sp>
+        <p:nvSpPr>
+          <p:cNvPr id="32" name="Rounded Rectangle 31"/>
+          <p:cNvSpPr/>
+          <p:nvPr/>
+        </p:nvSpPr>
+        <p:spPr>
+          <a:xfrm>
+            <a:off x="6084168" y="3961836"/>
+            <a:ext cx="2520279" cy="684076"/>
+          </a:xfrm>
+          <a:prstGeom prst="roundRect">
+            <a:avLst/>
+          </a:prstGeom>
+        </p:spPr>
+        <p:style>
+          <a:lnRef idx="2">
+            <a:schemeClr val="accent1">
+              <a:shade val="50000"/>
+            </a:schemeClr>
+          </a:lnRef>
+          <a:fillRef idx="1">
+            <a:schemeClr val="accent1"/>
+          </a:fillRef>
+          <a:effectRef idx="0">
+            <a:schemeClr val="accent1"/>
+          </a:effectRef>
+          <a:fontRef idx="minor">
+            <a:schemeClr val="lt1"/>
+          </a:fontRef>
+        </p:style>
+        <p:txBody>
+          <a:bodyPr rtlCol="0" anchor="ctr"/>
+          <a:lstStyle/>
+          <a:p>
+            <a:pPr algn="ctr"/>
+            <a:r>
+              <a:rPr lang="en-US" dirty="0" smtClean="0"/>
+              <a:t>Additional Info </a:t>
+            </a:r>
+          </a:p>
+          <a:p>
+            <a:pPr algn="ctr"/>
+            <a:r>
+              <a:rPr lang="en-US" dirty="0" smtClean="0"/>
+              <a:t>about </a:t>
+            </a:r>
+            <a:r>
+              <a:rPr lang="en-US" dirty="0" err="1" smtClean="0"/>
+              <a:t>adidas</a:t>
+            </a:r>
+            <a:r>
+              <a:rPr lang="en-US" dirty="0" smtClean="0"/>
+              <a:t> original</a:t>
+            </a:r>
+            <a:endParaRPr lang="en-US" dirty="0"/>
+          </a:p>
+        </p:txBody>
+      </p:sp>
+      <p:cxnSp>
+        <p:nvCxnSpPr>
+          <p:cNvPr id="35" name="Straight Arrow Connector 34"/>
+          <p:cNvCxnSpPr>
+            <a:stCxn id="10" idx="3"/>
+          </p:cNvCxnSpPr>
+          <p:nvPr/>
+        </p:nvCxnSpPr>
+        <p:spPr>
+          <a:xfrm>
+            <a:off x="5145346" y="4336958"/>
+            <a:ext cx="936104" cy="9959"/>
+          </a:xfrm>
+          <a:prstGeom prst="straightConnector1">
+            <a:avLst/>
+          </a:prstGeom>
+          <a:ln>
+            <a:tailEnd type="triangle"/>
+          </a:ln>
+        </p:spPr>
+        <p:style>
+          <a:lnRef idx="1">
+            <a:schemeClr val="accent1"/>
+          </a:lnRef>
+          <a:fillRef idx="0">
+            <a:schemeClr val="accent1"/>
+          </a:fillRef>
+          <a:effectRef idx="0">
+            <a:schemeClr val="accent1"/>
+          </a:effectRef>
+          <a:fontRef idx="minor">
+            <a:schemeClr val="tx1"/>
+          </a:fontRef>
+        </p:style>
+      </p:cxnSp>
+      <p:sp>
+        <p:nvSpPr>
+          <p:cNvPr id="13" name="Rectangle 12"/>
+          <p:cNvSpPr/>
+          <p:nvPr/>
+        </p:nvSpPr>
+        <p:spPr>
+          <a:xfrm>
+            <a:off x="3398496" y="3689563"/>
+            <a:ext cx="1749568" cy="351035"/>
+          </a:xfrm>
+          <a:prstGeom prst="rect">
+            <a:avLst/>
+          </a:prstGeom>
+        </p:spPr>
+        <p:style>
+          <a:lnRef idx="2">
+            <a:schemeClr val="accent1">
+              <a:shade val="50000"/>
+            </a:schemeClr>
+          </a:lnRef>
+          <a:fillRef idx="1">
+            <a:schemeClr val="accent1"/>
+          </a:fillRef>
+          <a:effectRef idx="0">
+            <a:schemeClr val="accent1"/>
+          </a:effectRef>
+          <a:fontRef idx="minor">
+            <a:schemeClr val="lt1"/>
+          </a:fontRef>
+        </p:style>
+        <p:txBody>
+          <a:bodyPr rtlCol="0" anchor="ctr"/>
+          <a:lstStyle/>
+          <a:p>
+            <a:pPr algn="ctr"/>
+            <a:r>
+              <a:rPr lang="en-US" dirty="0" smtClean="0"/>
+              <a:t>shoes</a:t>
+            </a:r>
+            <a:endParaRPr lang="en-US" dirty="0"/>
+          </a:p>
+        </p:txBody>
+      </p:sp>
+      <p:sp>
+        <p:nvSpPr>
+          <p:cNvPr id="14" name="Rectangle 13"/>
+          <p:cNvSpPr/>
+          <p:nvPr/>
+        </p:nvSpPr>
+        <p:spPr>
+          <a:xfrm>
+            <a:off x="3398496" y="3290300"/>
+            <a:ext cx="1749568" cy="351035"/>
+          </a:xfrm>
+          <a:prstGeom prst="rect">
+            <a:avLst/>
+          </a:prstGeom>
+        </p:spPr>
+        <p:style>
+          <a:lnRef idx="2">
+            <a:schemeClr val="accent1">
+              <a:shade val="50000"/>
+            </a:schemeClr>
+          </a:lnRef>
+          <a:fillRef idx="1">
+            <a:schemeClr val="accent1"/>
+          </a:fillRef>
+          <a:effectRef idx="0">
+            <a:schemeClr val="accent1"/>
+          </a:effectRef>
+          <a:fontRef idx="minor">
+            <a:schemeClr val="lt1"/>
+          </a:fontRef>
+        </p:style>
+        <p:txBody>
+          <a:bodyPr rtlCol="0" anchor="ctr"/>
+          <a:lstStyle/>
+          <a:p>
+            <a:pPr algn="ctr"/>
+            <a:r>
+              <a:rPr lang="en-US" dirty="0" smtClean="0"/>
+              <a:t>women</a:t>
+            </a:r>
+            <a:endParaRPr lang="en-US" dirty="0"/>
+          </a:p>
+        </p:txBody>
+      </p:sp>
+      <p:sp>
+        <p:nvSpPr>
+          <p:cNvPr id="16" name="Rectangle 15"/>
+          <p:cNvSpPr/>
+          <p:nvPr/>
+        </p:nvSpPr>
+        <p:spPr>
+          <a:xfrm>
+            <a:off x="3395778" y="2864551"/>
+            <a:ext cx="1749568" cy="351035"/>
+          </a:xfrm>
+          <a:prstGeom prst="rect">
+            <a:avLst/>
+          </a:prstGeom>
+        </p:spPr>
+        <p:style>
+          <a:lnRef idx="2">
+            <a:schemeClr val="accent1">
+              <a:shade val="50000"/>
+            </a:schemeClr>
+          </a:lnRef>
+          <a:fillRef idx="1">
+            <a:schemeClr val="accent1"/>
+          </a:fillRef>
+          <a:effectRef idx="0">
+            <a:schemeClr val="accent1"/>
+          </a:effectRef>
+          <a:fontRef idx="minor">
+            <a:schemeClr val="lt1"/>
+          </a:fontRef>
+        </p:style>
+        <p:txBody>
+          <a:bodyPr rtlCol="0" anchor="ctr"/>
+          <a:lstStyle/>
+          <a:p>
+            <a:pPr algn="ctr"/>
+            <a:r>
+              <a:rPr lang="en-US" dirty="0" smtClean="0"/>
+              <a:t>38,4</a:t>
+            </a:r>
+            <a:endParaRPr lang="en-US" dirty="0"/>
+          </a:p>
+        </p:txBody>
+      </p:sp>
+      <p:sp>
+        <p:nvSpPr>
+          <p:cNvPr id="17" name="Rounded Rectangle 16"/>
+          <p:cNvSpPr/>
+          <p:nvPr/>
+        </p:nvSpPr>
+        <p:spPr>
+          <a:xfrm>
+            <a:off x="5868144" y="1612622"/>
+            <a:ext cx="1872208" cy="1251929"/>
+          </a:xfrm>
+          <a:prstGeom prst="roundRect">
+            <a:avLst/>
+          </a:prstGeom>
+        </p:spPr>
+        <p:style>
+          <a:lnRef idx="2">
+            <a:schemeClr val="accent1">
+              <a:shade val="50000"/>
+            </a:schemeClr>
+          </a:lnRef>
+          <a:fillRef idx="1">
+            <a:schemeClr val="accent1"/>
+          </a:fillRef>
+          <a:effectRef idx="0">
+            <a:schemeClr val="accent1"/>
+          </a:effectRef>
+          <a:fontRef idx="minor">
+            <a:schemeClr val="lt1"/>
+          </a:fontRef>
+        </p:style>
+        <p:txBody>
+          <a:bodyPr rtlCol="0" anchor="ctr"/>
+          <a:lstStyle/>
+          <a:p>
+            <a:pPr algn="ctr"/>
+            <a:r>
+              <a:rPr lang="en-US" dirty="0" smtClean="0"/>
+              <a:t>Attribute</a:t>
+            </a:r>
+          </a:p>
+          <a:p>
+            <a:pPr algn="ctr"/>
+            <a:r>
+              <a:rPr lang="en-US" dirty="0" smtClean="0"/>
+              <a:t>"Category"</a:t>
+            </a:r>
+          </a:p>
+          <a:p>
+            <a:pPr algn="ctr"/>
+            <a:endParaRPr lang="en-US" dirty="0" smtClean="0"/>
+          </a:p>
+        </p:txBody>
+      </p:sp>
+      <p:sp>
+        <p:nvSpPr>
+          <p:cNvPr id="18" name="Rounded Rectangle 17"/>
+          <p:cNvSpPr/>
+          <p:nvPr/>
+        </p:nvSpPr>
+        <p:spPr>
+          <a:xfrm>
+            <a:off x="6188134" y="2411752"/>
+            <a:ext cx="1232227" cy="413688"/>
+          </a:xfrm>
+          <a:prstGeom prst="roundRect">
+            <a:avLst/>
+          </a:prstGeom>
+        </p:spPr>
+        <p:style>
+          <a:lnRef idx="2">
+            <a:schemeClr val="accent1">
+              <a:shade val="50000"/>
+            </a:schemeClr>
+          </a:lnRef>
+          <a:fillRef idx="1">
+            <a:schemeClr val="accent1"/>
+          </a:fillRef>
+          <a:effectRef idx="0">
+            <a:schemeClr val="accent1"/>
+          </a:effectRef>
+          <a:fontRef idx="minor">
+            <a:schemeClr val="lt1"/>
+          </a:fontRef>
+        </p:style>
+        <p:txBody>
+          <a:bodyPr rtlCol="0" anchor="ctr"/>
+          <a:lstStyle/>
+          <a:p>
+            <a:pPr algn="ctr"/>
+            <a:r>
+              <a:rPr lang="en-US" dirty="0" smtClean="0"/>
+              <a:t>text</a:t>
+            </a:r>
+            <a:endParaRPr lang="en-US" dirty="0"/>
+          </a:p>
+        </p:txBody>
+      </p:sp>
+      <p:cxnSp>
+        <p:nvCxnSpPr>
+          <p:cNvPr id="9" name="Straight Arrow Connector 8"/>
+          <p:cNvCxnSpPr>
+            <a:stCxn id="13" idx="3"/>
+          </p:cNvCxnSpPr>
+          <p:nvPr/>
+        </p:nvCxnSpPr>
+        <p:spPr>
+          <a:xfrm flipV="1">
+            <a:off x="5148064" y="2854730"/>
+            <a:ext cx="720080" cy="1010351"/>
+          </a:xfrm>
+          <a:prstGeom prst="straightConnector1">
+            <a:avLst/>
+          </a:prstGeom>
+          <a:ln>
+            <a:tailEnd type="triangle"/>
+          </a:ln>
+        </p:spPr>
+        <p:style>
+          <a:lnRef idx="1">
+            <a:schemeClr val="accent1"/>
+          </a:lnRef>
+          <a:fillRef idx="0">
+            <a:schemeClr val="accent1"/>
+          </a:fillRef>
+          <a:effectRef idx="0">
+            <a:schemeClr val="accent1"/>
+          </a:effectRef>
+          <a:fontRef idx="minor">
+            <a:schemeClr val="tx1"/>
+          </a:fontRef>
+        </p:style>
+      </p:cxnSp>
+      <p:cxnSp>
+        <p:nvCxnSpPr>
+          <p:cNvPr id="12" name="Straight Arrow Connector 11"/>
+          <p:cNvCxnSpPr>
+            <a:stCxn id="14" idx="3"/>
+          </p:cNvCxnSpPr>
+          <p:nvPr/>
+        </p:nvCxnSpPr>
+        <p:spPr>
+          <a:xfrm flipV="1">
+            <a:off x="5148064" y="2411752"/>
+            <a:ext cx="687839" cy="1054066"/>
+          </a:xfrm>
+          <a:prstGeom prst="straightConnector1">
+            <a:avLst/>
+          </a:prstGeom>
+          <a:ln>
+            <a:tailEnd type="triangle"/>
+          </a:ln>
+        </p:spPr>
+        <p:style>
+          <a:lnRef idx="1">
+            <a:schemeClr val="accent1"/>
+          </a:lnRef>
+          <a:fillRef idx="0">
+            <a:schemeClr val="accent1"/>
+          </a:fillRef>
+          <a:effectRef idx="0">
+            <a:schemeClr val="accent1"/>
+          </a:effectRef>
+          <a:fontRef idx="minor">
+            <a:schemeClr val="tx1"/>
+          </a:fontRef>
+        </p:style>
+      </p:cxnSp>
+      <p:sp>
+        <p:nvSpPr>
+          <p:cNvPr id="23" name="Rounded Rectangle 22"/>
+          <p:cNvSpPr/>
+          <p:nvPr/>
+        </p:nvSpPr>
+        <p:spPr>
+          <a:xfrm>
+            <a:off x="3195734" y="1252582"/>
+            <a:ext cx="1872208" cy="1251929"/>
+          </a:xfrm>
+          <a:prstGeom prst="roundRect">
+            <a:avLst/>
+          </a:prstGeom>
+        </p:spPr>
+        <p:style>
+          <a:lnRef idx="2">
+            <a:schemeClr val="accent1">
+              <a:shade val="50000"/>
+            </a:schemeClr>
+          </a:lnRef>
+          <a:fillRef idx="1">
+            <a:schemeClr val="accent1"/>
+          </a:fillRef>
+          <a:effectRef idx="0">
+            <a:schemeClr val="accent1"/>
+          </a:effectRef>
+          <a:fontRef idx="minor">
+            <a:schemeClr val="lt1"/>
+          </a:fontRef>
+        </p:style>
+        <p:txBody>
+          <a:bodyPr rtlCol="0" anchor="ctr"/>
+          <a:lstStyle/>
+          <a:p>
+            <a:pPr algn="ctr"/>
+            <a:r>
+              <a:rPr lang="en-US" dirty="0" smtClean="0"/>
+              <a:t>Attribute</a:t>
+            </a:r>
+          </a:p>
+          <a:p>
+            <a:pPr algn="ctr"/>
+            <a:r>
+              <a:rPr lang="en-US" dirty="0" smtClean="0"/>
+              <a:t>"Size"</a:t>
+            </a:r>
+          </a:p>
+          <a:p>
+            <a:pPr algn="ctr"/>
+            <a:endParaRPr lang="en-US" dirty="0" smtClean="0"/>
+          </a:p>
+        </p:txBody>
+      </p:sp>
+      <p:sp>
+        <p:nvSpPr>
+          <p:cNvPr id="4" name="Rounded Rectangle 3"/>
+          <p:cNvSpPr/>
+          <p:nvPr/>
+        </p:nvSpPr>
+        <p:spPr>
+          <a:xfrm>
+            <a:off x="3489199" y="1990876"/>
+            <a:ext cx="1285277" cy="464221"/>
+          </a:xfrm>
+          <a:prstGeom prst="roundRect">
+            <a:avLst/>
+          </a:prstGeom>
+        </p:spPr>
+        <p:style>
+          <a:lnRef idx="2">
+            <a:schemeClr val="accent1">
+              <a:shade val="50000"/>
+            </a:schemeClr>
+          </a:lnRef>
+          <a:fillRef idx="1">
+            <a:schemeClr val="accent1"/>
+          </a:fillRef>
+          <a:effectRef idx="0">
+            <a:schemeClr val="accent1"/>
+          </a:effectRef>
+          <a:fontRef idx="minor">
+            <a:schemeClr val="lt1"/>
+          </a:fontRef>
+        </p:style>
+        <p:txBody>
+          <a:bodyPr rtlCol="0" anchor="ctr"/>
+          <a:lstStyle/>
+          <a:p>
+            <a:pPr algn="ctr"/>
+            <a:r>
+              <a:rPr lang="en-US" dirty="0" smtClean="0"/>
+              <a:t>decimal</a:t>
+            </a:r>
+            <a:endParaRPr lang="en-US" dirty="0"/>
+          </a:p>
+        </p:txBody>
+      </p:sp>
+      <p:cxnSp>
+        <p:nvCxnSpPr>
+          <p:cNvPr id="24" name="Straight Arrow Connector 23"/>
+          <p:cNvCxnSpPr/>
+          <p:nvPr/>
+        </p:nvCxnSpPr>
+        <p:spPr>
+          <a:xfrm flipH="1" flipV="1">
+            <a:off x="3779912" y="2504512"/>
+            <a:ext cx="19102" cy="350218"/>
+          </a:xfrm>
+          <a:prstGeom prst="straightConnector1">
+            <a:avLst/>
+          </a:prstGeom>
+          <a:ln>
+            <a:tailEnd type="triangle"/>
+          </a:ln>
+        </p:spPr>
+        <p:style>
+          <a:lnRef idx="1">
+            <a:schemeClr val="accent1"/>
+          </a:lnRef>
+          <a:fillRef idx="0">
+            <a:schemeClr val="accent1"/>
+          </a:fillRef>
+          <a:effectRef idx="0">
+            <a:schemeClr val="accent1"/>
+          </a:effectRef>
+          <a:fontRef idx="minor">
+            <a:schemeClr val="tx1"/>
+          </a:fontRef>
+        </p:style>
+      </p:cxnSp>
+      <p:cxnSp>
+        <p:nvCxnSpPr>
+          <p:cNvPr id="27" name="Straight Arrow Connector 26"/>
+          <p:cNvCxnSpPr>
+            <a:stCxn id="13" idx="1"/>
+          </p:cNvCxnSpPr>
+          <p:nvPr/>
+        </p:nvCxnSpPr>
+        <p:spPr>
+          <a:xfrm flipH="1" flipV="1">
+            <a:off x="2728959" y="3626837"/>
+            <a:ext cx="669537" cy="238244"/>
+          </a:xfrm>
+          <a:prstGeom prst="straightConnector1">
+            <a:avLst/>
+          </a:prstGeom>
+          <a:ln>
+            <a:tailEnd type="triangle"/>
+          </a:ln>
+        </p:spPr>
+        <p:style>
+          <a:lnRef idx="1">
+            <a:schemeClr val="accent1"/>
+          </a:lnRef>
+          <a:fillRef idx="0">
+            <a:schemeClr val="accent1"/>
+          </a:fillRef>
+          <a:effectRef idx="0">
+            <a:schemeClr val="accent1"/>
+          </a:effectRef>
+          <a:fontRef idx="minor">
+            <a:schemeClr val="tx1"/>
+          </a:fontRef>
+        </p:style>
+      </p:cxnSp>
+      <p:cxnSp>
+        <p:nvCxnSpPr>
+          <p:cNvPr id="29" name="Straight Arrow Connector 28"/>
+          <p:cNvCxnSpPr>
+            <a:stCxn id="14" idx="1"/>
+          </p:cNvCxnSpPr>
+          <p:nvPr/>
+        </p:nvCxnSpPr>
+        <p:spPr>
+          <a:xfrm flipH="1" flipV="1">
+            <a:off x="2728959" y="3465817"/>
+            <a:ext cx="669537" cy="1"/>
+          </a:xfrm>
+          <a:prstGeom prst="straightConnector1">
+            <a:avLst/>
+          </a:prstGeom>
+          <a:ln>
+            <a:tailEnd type="triangle"/>
+          </a:ln>
+        </p:spPr>
+        <p:style>
+          <a:lnRef idx="1">
+            <a:schemeClr val="accent1"/>
+          </a:lnRef>
+          <a:fillRef idx="0">
+            <a:schemeClr val="accent1"/>
+          </a:fillRef>
+          <a:effectRef idx="0">
+            <a:schemeClr val="accent1"/>
+          </a:effectRef>
+          <a:fontRef idx="minor">
+            <a:schemeClr val="tx1"/>
+          </a:fontRef>
+        </p:style>
+      </p:cxnSp>
+      <p:cxnSp>
+        <p:nvCxnSpPr>
+          <p:cNvPr id="31" name="Straight Arrow Connector 30"/>
+          <p:cNvCxnSpPr>
+            <a:stCxn id="16" idx="1"/>
+          </p:cNvCxnSpPr>
+          <p:nvPr/>
+        </p:nvCxnSpPr>
+        <p:spPr>
+          <a:xfrm flipH="1">
+            <a:off x="2728959" y="3040069"/>
+            <a:ext cx="666819" cy="250231"/>
+          </a:xfrm>
+          <a:prstGeom prst="straightConnector1">
+            <a:avLst/>
+          </a:prstGeom>
+          <a:ln>
+            <a:tailEnd type="triangle"/>
+          </a:ln>
+        </p:spPr>
+        <p:style>
+          <a:lnRef idx="1">
+            <a:schemeClr val="accent1"/>
+          </a:lnRef>
+          <a:fillRef idx="0">
+            <a:schemeClr val="accent1"/>
+          </a:fillRef>
+          <a:effectRef idx="0">
+            <a:schemeClr val="accent1"/>
+          </a:effectRef>
+          <a:fontRef idx="minor">
+            <a:schemeClr val="tx1"/>
+          </a:fontRef>
+        </p:style>
+      </p:cxnSp>
+      <p:sp>
+        <p:nvSpPr>
+          <p:cNvPr id="33" name="TextBox 32"/>
+          <p:cNvSpPr txBox="1"/>
+          <p:nvPr/>
+        </p:nvSpPr>
+        <p:spPr>
+          <a:xfrm>
+            <a:off x="6102558" y="4900875"/>
+            <a:ext cx="3456384" cy="1754326"/>
+          </a:xfrm>
+          <a:prstGeom prst="rect">
+            <a:avLst/>
+          </a:prstGeom>
+          <a:noFill/>
+        </p:spPr>
+        <p:txBody>
+          <a:bodyPr wrap="square" rtlCol="0">
+            <a:spAutoFit/>
+          </a:bodyPr>
+          <a:lstStyle/>
+          <a:p>
+            <a:r>
+              <a:rPr lang="en-US" dirty="0" smtClean="0"/>
+              <a:t>Product:</a:t>
+            </a:r>
+          </a:p>
+          <a:p>
+            <a:r>
+              <a:rPr lang="en-US" dirty="0" smtClean="0"/>
+              <a:t>Handball Special</a:t>
+            </a:r>
+          </a:p>
+          <a:p>
+            <a:pPr marL="285750" indent="-285750">
+              <a:buFont typeface="Arial" panose="020B0604020202020204" pitchFamily="34" charset="0"/>
+              <a:buChar char="•"/>
+            </a:pPr>
+            <a:r>
+              <a:rPr lang="en-US" dirty="0" smtClean="0"/>
+              <a:t>Women</a:t>
+            </a:r>
+          </a:p>
+          <a:p>
+            <a:pPr marL="285750" indent="-285750">
+              <a:buFont typeface="Arial" panose="020B0604020202020204" pitchFamily="34" charset="0"/>
+              <a:buChar char="•"/>
+            </a:pPr>
+            <a:r>
+              <a:rPr lang="en-US" dirty="0" smtClean="0"/>
+              <a:t>Shoes</a:t>
+            </a:r>
+          </a:p>
+          <a:p>
+            <a:pPr marL="285750" indent="-285750">
+              <a:buFont typeface="Arial" panose="020B0604020202020204" pitchFamily="34" charset="0"/>
+              <a:buChar char="•"/>
+            </a:pPr>
+            <a:r>
+              <a:rPr lang="en-US" dirty="0" smtClean="0"/>
+              <a:t>38,4 size</a:t>
+            </a:r>
+          </a:p>
+          <a:p>
+            <a:pPr marL="285750" indent="-285750">
+              <a:buFont typeface="Arial" panose="020B0604020202020204" pitchFamily="34" charset="0"/>
+              <a:buChar char="•"/>
+            </a:pPr>
+            <a:r>
+              <a:rPr lang="en-US" dirty="0" smtClean="0"/>
+              <a:t>producer Adidas</a:t>
+            </a:r>
+            <a:endParaRPr lang="en-US" dirty="0"/>
+          </a:p>
+        </p:txBody>
+      </p:sp>
+      <p:sp>
+        <p:nvSpPr>
+          <p:cNvPr id="36" name="Rounded Rectangle 35"/>
+          <p:cNvSpPr/>
+          <p:nvPr/>
+        </p:nvSpPr>
+        <p:spPr>
+          <a:xfrm>
+            <a:off x="660369" y="4739050"/>
+            <a:ext cx="2828830" cy="1714286"/>
+          </a:xfrm>
+          <a:prstGeom prst="roundRect">
+            <a:avLst/>
+          </a:prstGeom>
+        </p:spPr>
+        <p:style>
+          <a:lnRef idx="2">
+            <a:schemeClr val="accent1">
+              <a:shade val="50000"/>
+            </a:schemeClr>
+          </a:lnRef>
+          <a:fillRef idx="1">
+            <a:schemeClr val="accent1"/>
+          </a:fillRef>
+          <a:effectRef idx="0">
+            <a:schemeClr val="accent1"/>
+          </a:effectRef>
+          <a:fontRef idx="minor">
+            <a:schemeClr val="lt1"/>
+          </a:fontRef>
+        </p:style>
+        <p:txBody>
+          <a:bodyPr rtlCol="0" anchor="t"/>
+          <a:lstStyle/>
+          <a:p>
+            <a:pPr algn="ctr"/>
+            <a:r>
+              <a:rPr lang="en-US" dirty="0" smtClean="0"/>
+              <a:t>Media – Data:</a:t>
+            </a:r>
+          </a:p>
+          <a:p>
+            <a:pPr algn="ctr"/>
+            <a:endParaRPr lang="en-US" dirty="0"/>
+          </a:p>
+        </p:txBody>
+      </p:sp>
+      <p:pic>
+        <p:nvPicPr>
+          <p:cNvPr id="38" name="Picture 37"/>
+          <p:cNvPicPr>
+            <a:picLocks noChangeAspect="1"/>
+          </p:cNvPicPr>
+          <p:nvPr/>
+        </p:nvPicPr>
+        <p:blipFill rotWithShape="1">
+          <a:blip r:embed="rId2" cstate="print">
+            <a:extLst>
+              <a:ext uri="{28A0092B-C50C-407E-A947-70E740481C1C}">
+                <a14:useLocalDpi xmlns:a14="http://schemas.microsoft.com/office/drawing/2010/main" val="0"/>
+              </a:ext>
+            </a:extLst>
+          </a:blip>
+          <a:srcRect l="9051" t="46850" r="9051" b="17451"/>
+          <a:stretch/>
+        </p:blipFill>
+        <p:spPr>
+          <a:xfrm>
+            <a:off x="804942" y="5254363"/>
+            <a:ext cx="1424294" cy="620846"/>
+          </a:xfrm>
+          <a:prstGeom prst="round2DiagRect">
+            <a:avLst>
+              <a:gd name="adj1" fmla="val 16667"/>
+              <a:gd name="adj2" fmla="val 0"/>
+            </a:avLst>
+          </a:prstGeom>
+          <a:ln w="88900" cap="sq">
+            <a:solidFill>
+              <a:srgbClr val="FFFFFF"/>
+            </a:solidFill>
+            <a:miter lim="800000"/>
+          </a:ln>
+          <a:effectLst>
+            <a:outerShdw blurRad="254000" algn="tl" rotWithShape="0">
+              <a:srgbClr val="000000">
+                <a:alpha val="43000"/>
+              </a:srgbClr>
+            </a:outerShdw>
+          </a:effectLst>
+        </p:spPr>
+      </p:pic>
+      <p:pic>
+        <p:nvPicPr>
+          <p:cNvPr id="39" name="Picture 38"/>
+          <p:cNvPicPr>
+            <a:picLocks noChangeAspect="1"/>
+          </p:cNvPicPr>
+          <p:nvPr/>
+        </p:nvPicPr>
+        <p:blipFill rotWithShape="1">
+          <a:blip r:embed="rId3" cstate="print">
+            <a:extLst>
+              <a:ext uri="{28A0092B-C50C-407E-A947-70E740481C1C}">
+                <a14:useLocalDpi xmlns:a14="http://schemas.microsoft.com/office/drawing/2010/main" val="0"/>
+              </a:ext>
+            </a:extLst>
+          </a:blip>
+          <a:srcRect l="6951" t="42650" r="9051" b="16401"/>
+          <a:stretch/>
+        </p:blipFill>
+        <p:spPr>
+          <a:xfrm>
+            <a:off x="2051720" y="5558691"/>
+            <a:ext cx="1298536" cy="633036"/>
+          </a:xfrm>
+          <a:prstGeom prst="round2DiagRect">
+            <a:avLst>
+              <a:gd name="adj1" fmla="val 16667"/>
+              <a:gd name="adj2" fmla="val 0"/>
+            </a:avLst>
+          </a:prstGeom>
+          <a:ln w="88900" cap="sq">
+            <a:solidFill>
+              <a:srgbClr val="FFFFFF"/>
+            </a:solidFill>
+            <a:miter lim="800000"/>
+          </a:ln>
+          <a:effectLst>
+            <a:outerShdw blurRad="254000" algn="tl" rotWithShape="0">
+              <a:srgbClr val="000000">
+                <a:alpha val="43000"/>
+              </a:srgbClr>
+            </a:outerShdw>
+          </a:effectLst>
+        </p:spPr>
+      </p:pic>
+      <p:sp>
+        <p:nvSpPr>
+          <p:cNvPr id="40" name="Title 39"/>
+          <p:cNvSpPr>
+            <a:spLocks noGrp="1"/>
+          </p:cNvSpPr>
+          <p:nvPr>
+            <p:ph type="title"/>
+          </p:nvPr>
+        </p:nvSpPr>
+        <p:spPr>
+          <a:xfrm>
+            <a:off x="305103" y="76352"/>
+            <a:ext cx="7315200" cy="1154097"/>
+          </a:xfrm>
+        </p:spPr>
+        <p:txBody>
+          <a:bodyPr/>
+          <a:lstStyle/>
+          <a:p>
+            <a:r>
+              <a:rPr lang="en-US" dirty="0" smtClean="0"/>
+              <a:t>Data Relations</a:t>
+            </a:r>
+            <a:endParaRPr lang="en-US" dirty="0"/>
           </a:p>
         </p:txBody>
       </p:sp>
     </p:spTree>
     <p:extLst>
       <p:ext uri="{BB962C8B-B14F-4D97-AF65-F5344CB8AC3E}">
-        <p14:creationId xmlns:p14="http://schemas.microsoft.com/office/powerpoint/2010/main" val="1279747607"/>
+        <p14:creationId xmlns:p14="http://schemas.microsoft.com/office/powerpoint/2010/main" val="533827793"/>
+      </p:ext>
+    </p:extLst>
+  </p:cSld>
+  <p:clrMapOvr>
+    <a:masterClrMapping/>
+  </p:clrMapOvr>
+</p:sld>
+</file>
+
+<file path=ppt/slides/slide7.xml><?xml version="1.0" encoding="utf-8"?>
+<p:sld xmlns:a="http://schemas.openxmlformats.org/drawingml/2006/main" xmlns:r="http://schemas.openxmlformats.org/officeDocument/2006/relationships" xmlns:p="http://schemas.openxmlformats.org/presentationml/2006/main">
+  <p:cSld>
+    <p:spTree>
+      <p:nvGrpSpPr>
+        <p:cNvPr id="1" name=""/>
+        <p:cNvGrpSpPr/>
+        <p:nvPr/>
+      </p:nvGrpSpPr>
+      <p:grpSpPr>
+        <a:xfrm>
+          <a:off x="0" y="0"/>
+          <a:ext cx="0" cy="0"/>
+          <a:chOff x="0" y="0"/>
+          <a:chExt cx="0" cy="0"/>
+        </a:xfrm>
+      </p:grpSpPr>
+      <p:sp>
+        <p:nvSpPr>
+          <p:cNvPr id="2" name="Заголовок 1"/>
+          <p:cNvSpPr>
+            <a:spLocks noGrp="1"/>
+          </p:cNvSpPr>
+          <p:nvPr>
+            <p:ph type="title"/>
+          </p:nvPr>
+        </p:nvSpPr>
+        <p:spPr>
+          <a:xfrm>
+            <a:off x="971600" y="548680"/>
+            <a:ext cx="7315200" cy="1293592"/>
+          </a:xfrm>
+        </p:spPr>
+        <p:txBody>
+          <a:bodyPr>
+            <a:normAutofit/>
+          </a:bodyPr>
+          <a:lstStyle/>
+          <a:p>
+            <a:r>
+              <a:rPr lang="en-US" dirty="0" smtClean="0"/>
+              <a:t>Tables in DB (Models)</a:t>
+            </a:r>
+            <a:endParaRPr lang="en-US" dirty="0"/>
+          </a:p>
+        </p:txBody>
+      </p:sp>
+      <p:sp>
+        <p:nvSpPr>
+          <p:cNvPr id="4" name="Текст 3"/>
+          <p:cNvSpPr>
+            <a:spLocks noGrp="1"/>
+          </p:cNvSpPr>
+          <p:nvPr>
+            <p:ph type="body" idx="1"/>
+          </p:nvPr>
+        </p:nvSpPr>
+        <p:spPr>
+          <a:xfrm>
+            <a:off x="1043608" y="1196752"/>
+            <a:ext cx="7315200" cy="1098439"/>
+          </a:xfrm>
+        </p:spPr>
+        <p:txBody>
+          <a:bodyPr/>
+          <a:lstStyle/>
+          <a:p>
+            <a:r>
+              <a:rPr lang="en-US" u="sng" dirty="0" smtClean="0"/>
+              <a:t> </a:t>
+            </a:r>
+            <a:endParaRPr lang="en-US" u="sng" dirty="0"/>
+          </a:p>
+        </p:txBody>
+      </p:sp>
+      <p:sp>
+        <p:nvSpPr>
+          <p:cNvPr id="8" name="Скругленный прямоугольник 7"/>
+          <p:cNvSpPr/>
+          <p:nvPr/>
+        </p:nvSpPr>
+        <p:spPr>
+          <a:xfrm>
+            <a:off x="4599405" y="2730888"/>
+            <a:ext cx="1800200" cy="792088"/>
+          </a:xfrm>
+          <a:prstGeom prst="roundRect">
+            <a:avLst/>
+          </a:prstGeom>
+        </p:spPr>
+        <p:style>
+          <a:lnRef idx="2">
+            <a:schemeClr val="accent1">
+              <a:shade val="50000"/>
+            </a:schemeClr>
+          </a:lnRef>
+          <a:fillRef idx="1">
+            <a:schemeClr val="accent1"/>
+          </a:fillRef>
+          <a:effectRef idx="0">
+            <a:schemeClr val="accent1"/>
+          </a:effectRef>
+          <a:fontRef idx="minor">
+            <a:schemeClr val="lt1"/>
+          </a:fontRef>
+        </p:style>
+        <p:txBody>
+          <a:bodyPr rtlCol="0" anchor="ctr"/>
+          <a:lstStyle/>
+          <a:p>
+            <a:pPr algn="ctr"/>
+            <a:r>
+              <a:rPr lang="en-US" dirty="0" smtClean="0"/>
+              <a:t>Media-Data</a:t>
+            </a:r>
+            <a:endParaRPr lang="en-US" dirty="0"/>
+          </a:p>
+        </p:txBody>
+      </p:sp>
+      <p:sp>
+        <p:nvSpPr>
+          <p:cNvPr id="14" name="Скругленный прямоугольник 13"/>
+          <p:cNvSpPr/>
+          <p:nvPr/>
+        </p:nvSpPr>
+        <p:spPr>
+          <a:xfrm>
+            <a:off x="899592" y="4020546"/>
+            <a:ext cx="1800200" cy="792088"/>
+          </a:xfrm>
+          <a:prstGeom prst="roundRect">
+            <a:avLst/>
+          </a:prstGeom>
+        </p:spPr>
+        <p:style>
+          <a:lnRef idx="2">
+            <a:schemeClr val="accent1">
+              <a:shade val="50000"/>
+            </a:schemeClr>
+          </a:lnRef>
+          <a:fillRef idx="1">
+            <a:schemeClr val="accent1"/>
+          </a:fillRef>
+          <a:effectRef idx="0">
+            <a:schemeClr val="accent1"/>
+          </a:effectRef>
+          <a:fontRef idx="minor">
+            <a:schemeClr val="lt1"/>
+          </a:fontRef>
+        </p:style>
+        <p:txBody>
+          <a:bodyPr rtlCol="0" anchor="ctr"/>
+          <a:lstStyle/>
+          <a:p>
+            <a:pPr algn="ctr"/>
+            <a:r>
+              <a:rPr lang="en-US" dirty="0" smtClean="0"/>
+              <a:t>Products</a:t>
+            </a:r>
+            <a:endParaRPr lang="en-US" dirty="0" smtClean="0"/>
+          </a:p>
+        </p:txBody>
+      </p:sp>
+      <p:sp>
+        <p:nvSpPr>
+          <p:cNvPr id="19" name="Скругленный прямоугольник 13"/>
+          <p:cNvSpPr/>
+          <p:nvPr/>
+        </p:nvSpPr>
+        <p:spPr>
+          <a:xfrm>
+            <a:off x="3203848" y="4020546"/>
+            <a:ext cx="1800200" cy="792088"/>
+          </a:xfrm>
+          <a:prstGeom prst="roundRect">
+            <a:avLst/>
+          </a:prstGeom>
+        </p:spPr>
+        <p:style>
+          <a:lnRef idx="2">
+            <a:schemeClr val="accent1">
+              <a:shade val="50000"/>
+            </a:schemeClr>
+          </a:lnRef>
+          <a:fillRef idx="1">
+            <a:schemeClr val="accent1"/>
+          </a:fillRef>
+          <a:effectRef idx="0">
+            <a:schemeClr val="accent1"/>
+          </a:effectRef>
+          <a:fontRef idx="minor">
+            <a:schemeClr val="lt1"/>
+          </a:fontRef>
+        </p:style>
+        <p:txBody>
+          <a:bodyPr rtlCol="0" anchor="ctr"/>
+          <a:lstStyle/>
+          <a:p>
+            <a:pPr algn="ctr"/>
+            <a:r>
+              <a:rPr lang="en-US" dirty="0" smtClean="0"/>
+              <a:t>Properties</a:t>
+            </a:r>
+            <a:endParaRPr lang="en-US" dirty="0" smtClean="0"/>
+          </a:p>
+        </p:txBody>
+      </p:sp>
+      <p:sp>
+        <p:nvSpPr>
+          <p:cNvPr id="20" name="Скругленный прямоугольник 13"/>
+          <p:cNvSpPr/>
+          <p:nvPr/>
+        </p:nvSpPr>
+        <p:spPr>
+          <a:xfrm>
+            <a:off x="5508104" y="4020546"/>
+            <a:ext cx="1800200" cy="792088"/>
+          </a:xfrm>
+          <a:prstGeom prst="roundRect">
+            <a:avLst/>
+          </a:prstGeom>
+        </p:spPr>
+        <p:style>
+          <a:lnRef idx="2">
+            <a:schemeClr val="accent1">
+              <a:shade val="50000"/>
+            </a:schemeClr>
+          </a:lnRef>
+          <a:fillRef idx="1">
+            <a:schemeClr val="accent1"/>
+          </a:fillRef>
+          <a:effectRef idx="0">
+            <a:schemeClr val="accent1"/>
+          </a:effectRef>
+          <a:fontRef idx="minor">
+            <a:schemeClr val="lt1"/>
+          </a:fontRef>
+        </p:style>
+        <p:txBody>
+          <a:bodyPr rtlCol="0" anchor="ctr"/>
+          <a:lstStyle/>
+          <a:p>
+            <a:pPr algn="ctr"/>
+            <a:r>
+              <a:rPr lang="en-US" dirty="0" smtClean="0"/>
+              <a:t>Attributes</a:t>
+            </a:r>
+            <a:endParaRPr lang="en-US" dirty="0" smtClean="0"/>
+          </a:p>
+        </p:txBody>
+      </p:sp>
+      <p:sp>
+        <p:nvSpPr>
+          <p:cNvPr id="21" name="Скругленный прямоугольник 13"/>
+          <p:cNvSpPr/>
+          <p:nvPr/>
+        </p:nvSpPr>
+        <p:spPr>
+          <a:xfrm>
+            <a:off x="2195736" y="2730888"/>
+            <a:ext cx="1800200" cy="792088"/>
+          </a:xfrm>
+          <a:prstGeom prst="roundRect">
+            <a:avLst/>
+          </a:prstGeom>
+        </p:spPr>
+        <p:style>
+          <a:lnRef idx="2">
+            <a:schemeClr val="accent1">
+              <a:shade val="50000"/>
+            </a:schemeClr>
+          </a:lnRef>
+          <a:fillRef idx="1">
+            <a:schemeClr val="accent1"/>
+          </a:fillRef>
+          <a:effectRef idx="0">
+            <a:schemeClr val="accent1"/>
+          </a:effectRef>
+          <a:fontRef idx="minor">
+            <a:schemeClr val="lt1"/>
+          </a:fontRef>
+        </p:style>
+        <p:txBody>
+          <a:bodyPr rtlCol="0" anchor="ctr"/>
+          <a:lstStyle/>
+          <a:p>
+            <a:pPr algn="ctr"/>
+            <a:r>
+              <a:rPr lang="en-US" dirty="0" smtClean="0"/>
+              <a:t>Additional</a:t>
+            </a:r>
+          </a:p>
+          <a:p>
+            <a:pPr algn="ctr"/>
+            <a:r>
+              <a:rPr lang="en-US" dirty="0" smtClean="0"/>
+              <a:t>Information</a:t>
+            </a:r>
+            <a:endParaRPr lang="en-US" dirty="0" smtClean="0"/>
+          </a:p>
+        </p:txBody>
+      </p:sp>
+      <p:sp>
+        <p:nvSpPr>
+          <p:cNvPr id="12" name="Скругленный прямоугольник 13"/>
+          <p:cNvSpPr/>
+          <p:nvPr/>
+        </p:nvSpPr>
+        <p:spPr>
+          <a:xfrm>
+            <a:off x="3238777" y="5257489"/>
+            <a:ext cx="1800200" cy="792088"/>
+          </a:xfrm>
+          <a:prstGeom prst="roundRect">
+            <a:avLst/>
+          </a:prstGeom>
+        </p:spPr>
+        <p:style>
+          <a:lnRef idx="2">
+            <a:schemeClr val="accent1">
+              <a:shade val="50000"/>
+            </a:schemeClr>
+          </a:lnRef>
+          <a:fillRef idx="1">
+            <a:schemeClr val="accent1"/>
+          </a:fillRef>
+          <a:effectRef idx="0">
+            <a:schemeClr val="accent1"/>
+          </a:effectRef>
+          <a:fontRef idx="minor">
+            <a:schemeClr val="lt1"/>
+          </a:fontRef>
+        </p:style>
+        <p:txBody>
+          <a:bodyPr rtlCol="0" anchor="ctr"/>
+          <a:lstStyle/>
+          <a:p>
+            <a:pPr algn="ctr"/>
+            <a:r>
+              <a:rPr lang="en-US" dirty="0" smtClean="0"/>
+              <a:t>Product</a:t>
+            </a:r>
+          </a:p>
+          <a:p>
+            <a:pPr algn="ctr"/>
+            <a:r>
+              <a:rPr lang="en-US" dirty="0" smtClean="0"/>
+              <a:t>templates</a:t>
+            </a:r>
+            <a:endParaRPr lang="en-US" dirty="0" smtClean="0"/>
+          </a:p>
+        </p:txBody>
+      </p:sp>
+    </p:spTree>
+    <p:extLst>
+      <p:ext uri="{BB962C8B-B14F-4D97-AF65-F5344CB8AC3E}">
+        <p14:creationId xmlns:p14="http://schemas.microsoft.com/office/powerpoint/2010/main" val="4003200329"/>
+      </p:ext>
+    </p:extLst>
+  </p:cSld>
+  <p:clrMapOvr>
+    <a:masterClrMapping/>
+  </p:clrMapOvr>
+</p:sld>
+</file>
+
+<file path=ppt/slides/slide8.xml><?xml version="1.0" encoding="utf-8"?>
+<p:sld xmlns:a="http://schemas.openxmlformats.org/drawingml/2006/main" xmlns:r="http://schemas.openxmlformats.org/officeDocument/2006/relationships" xmlns:p="http://schemas.openxmlformats.org/presentationml/2006/main">
+  <p:cSld>
+    <p:spTree>
+      <p:nvGrpSpPr>
+        <p:cNvPr id="1" name=""/>
+        <p:cNvGrpSpPr/>
+        <p:nvPr/>
+      </p:nvGrpSpPr>
+      <p:grpSpPr>
+        <a:xfrm>
+          <a:off x="0" y="0"/>
+          <a:ext cx="0" cy="0"/>
+          <a:chOff x="0" y="0"/>
+          <a:chExt cx="0" cy="0"/>
+        </a:xfrm>
+      </p:grpSpPr>
+      <p:sp>
+        <p:nvSpPr>
+          <p:cNvPr id="2" name="Заголовок 1"/>
+          <p:cNvSpPr>
+            <a:spLocks noGrp="1"/>
+          </p:cNvSpPr>
+          <p:nvPr>
+            <p:ph type="title"/>
+          </p:nvPr>
+        </p:nvSpPr>
+        <p:spPr>
+          <a:xfrm>
+            <a:off x="971600" y="548680"/>
+            <a:ext cx="7315200" cy="1293592"/>
+          </a:xfrm>
+        </p:spPr>
+        <p:txBody>
+          <a:bodyPr>
+            <a:normAutofit/>
+          </a:bodyPr>
+          <a:lstStyle/>
+          <a:p>
+            <a:r>
+              <a:rPr lang="en-US" dirty="0" smtClean="0"/>
+              <a:t>Architecture:</a:t>
+            </a:r>
+            <a:endParaRPr lang="en-US" dirty="0"/>
+          </a:p>
+        </p:txBody>
+      </p:sp>
+      <p:sp>
+        <p:nvSpPr>
+          <p:cNvPr id="4" name="Текст 3"/>
+          <p:cNvSpPr>
+            <a:spLocks noGrp="1"/>
+          </p:cNvSpPr>
+          <p:nvPr>
+            <p:ph type="body" idx="1"/>
+          </p:nvPr>
+        </p:nvSpPr>
+        <p:spPr>
+          <a:xfrm>
+            <a:off x="1043608" y="1196752"/>
+            <a:ext cx="7315200" cy="1098439"/>
+          </a:xfrm>
+        </p:spPr>
+        <p:txBody>
+          <a:bodyPr/>
+          <a:lstStyle/>
+          <a:p>
+            <a:r>
+              <a:rPr lang="en-US" u="sng" dirty="0" smtClean="0"/>
+              <a:t> </a:t>
+            </a:r>
+            <a:endParaRPr lang="en-US" u="sng" dirty="0"/>
+          </a:p>
+        </p:txBody>
+      </p:sp>
+      <p:sp>
+        <p:nvSpPr>
+          <p:cNvPr id="3" name="TextBox 2"/>
+          <p:cNvSpPr txBox="1"/>
+          <p:nvPr/>
+        </p:nvSpPr>
+        <p:spPr>
+          <a:xfrm>
+            <a:off x="251520" y="2852936"/>
+            <a:ext cx="1728192" cy="646331"/>
+          </a:xfrm>
+          <a:prstGeom prst="rect">
+            <a:avLst/>
+          </a:prstGeom>
+          <a:noFill/>
+        </p:spPr>
+        <p:txBody>
+          <a:bodyPr wrap="square" rtlCol="0">
+            <a:spAutoFit/>
+          </a:bodyPr>
+          <a:lstStyle/>
+          <a:p>
+            <a:r>
+              <a:rPr lang="en-US" dirty="0" smtClean="0"/>
+              <a:t>Webserver / Balance loader</a:t>
+            </a:r>
+            <a:endParaRPr lang="en-US" dirty="0"/>
+          </a:p>
+        </p:txBody>
+      </p:sp>
+      <p:sp>
+        <p:nvSpPr>
+          <p:cNvPr id="11" name="TextBox 10"/>
+          <p:cNvSpPr txBox="1"/>
+          <p:nvPr/>
+        </p:nvSpPr>
+        <p:spPr>
+          <a:xfrm>
+            <a:off x="2123728" y="2853615"/>
+            <a:ext cx="1872298" cy="646331"/>
+          </a:xfrm>
+          <a:prstGeom prst="rect">
+            <a:avLst/>
+          </a:prstGeom>
+          <a:noFill/>
+        </p:spPr>
+        <p:txBody>
+          <a:bodyPr wrap="square" rtlCol="0">
+            <a:spAutoFit/>
+          </a:bodyPr>
+          <a:lstStyle/>
+          <a:p>
+            <a:r>
+              <a:rPr lang="en-US" dirty="0" smtClean="0"/>
+              <a:t>Authentication Middleware</a:t>
+            </a:r>
+            <a:endParaRPr lang="en-US" dirty="0"/>
+          </a:p>
+        </p:txBody>
+      </p:sp>
+      <p:sp>
+        <p:nvSpPr>
+          <p:cNvPr id="5" name="TextBox 4"/>
+          <p:cNvSpPr txBox="1"/>
+          <p:nvPr/>
+        </p:nvSpPr>
+        <p:spPr>
+          <a:xfrm>
+            <a:off x="6372200" y="2095688"/>
+            <a:ext cx="1512168" cy="1200329"/>
+          </a:xfrm>
+          <a:prstGeom prst="rect">
+            <a:avLst/>
+          </a:prstGeom>
+          <a:noFill/>
+        </p:spPr>
+        <p:txBody>
+          <a:bodyPr wrap="square" rtlCol="0">
+            <a:spAutoFit/>
+          </a:bodyPr>
+          <a:lstStyle/>
+          <a:p>
+            <a:r>
+              <a:rPr lang="en-US" dirty="0" smtClean="0"/>
+              <a:t>CRUD Interfaces for Data Managing</a:t>
+            </a:r>
+            <a:endParaRPr lang="en-US" dirty="0"/>
+          </a:p>
+        </p:txBody>
+      </p:sp>
+      <p:sp>
+        <p:nvSpPr>
+          <p:cNvPr id="7" name="Rounded Rectangle 6"/>
+          <p:cNvSpPr/>
+          <p:nvPr/>
+        </p:nvSpPr>
+        <p:spPr>
+          <a:xfrm>
+            <a:off x="2991781" y="4815269"/>
+            <a:ext cx="1368062" cy="1080120"/>
+          </a:xfrm>
+          <a:prstGeom prst="roundRect">
+            <a:avLst/>
+          </a:prstGeom>
+        </p:spPr>
+        <p:style>
+          <a:lnRef idx="2">
+            <a:schemeClr val="accent1">
+              <a:shade val="50000"/>
+            </a:schemeClr>
+          </a:lnRef>
+          <a:fillRef idx="1">
+            <a:schemeClr val="accent1"/>
+          </a:fillRef>
+          <a:effectRef idx="0">
+            <a:schemeClr val="accent1"/>
+          </a:effectRef>
+          <a:fontRef idx="minor">
+            <a:schemeClr val="lt1"/>
+          </a:fontRef>
+        </p:style>
+        <p:txBody>
+          <a:bodyPr rtlCol="0" anchor="ctr"/>
+          <a:lstStyle/>
+          <a:p>
+            <a:pPr algn="ctr"/>
+            <a:r>
+              <a:rPr lang="en-US" dirty="0" smtClean="0"/>
+              <a:t>Caching Layer</a:t>
+            </a:r>
+            <a:endParaRPr lang="en-US" dirty="0"/>
+          </a:p>
+        </p:txBody>
+      </p:sp>
+      <p:sp>
+        <p:nvSpPr>
+          <p:cNvPr id="9" name="Rectangle 8"/>
+          <p:cNvSpPr/>
+          <p:nvPr/>
+        </p:nvSpPr>
+        <p:spPr>
+          <a:xfrm>
+            <a:off x="4068124" y="2319543"/>
+            <a:ext cx="1584086" cy="1010664"/>
+          </a:xfrm>
+          <a:prstGeom prst="rect">
+            <a:avLst/>
+          </a:prstGeom>
+        </p:spPr>
+        <p:style>
+          <a:lnRef idx="2">
+            <a:schemeClr val="accent1">
+              <a:shade val="50000"/>
+            </a:schemeClr>
+          </a:lnRef>
+          <a:fillRef idx="1">
+            <a:schemeClr val="accent1"/>
+          </a:fillRef>
+          <a:effectRef idx="0">
+            <a:schemeClr val="accent1"/>
+          </a:effectRef>
+          <a:fontRef idx="minor">
+            <a:schemeClr val="lt1"/>
+          </a:fontRef>
+        </p:style>
+        <p:txBody>
+          <a:bodyPr rtlCol="0" anchor="ctr"/>
+          <a:lstStyle/>
+          <a:p>
+            <a:pPr algn="ctr"/>
+            <a:r>
+              <a:rPr lang="en-US" dirty="0" smtClean="0"/>
+              <a:t>Routing</a:t>
+            </a:r>
+            <a:endParaRPr lang="en-US" dirty="0"/>
+          </a:p>
+        </p:txBody>
+      </p:sp>
+      <p:sp>
+        <p:nvSpPr>
+          <p:cNvPr id="10" name="TextBox 9"/>
+          <p:cNvSpPr txBox="1"/>
+          <p:nvPr/>
+        </p:nvSpPr>
+        <p:spPr>
+          <a:xfrm>
+            <a:off x="6374230" y="3645024"/>
+            <a:ext cx="1872208" cy="923330"/>
+          </a:xfrm>
+          <a:prstGeom prst="rect">
+            <a:avLst/>
+          </a:prstGeom>
+          <a:noFill/>
+        </p:spPr>
+        <p:txBody>
+          <a:bodyPr wrap="square" rtlCol="0">
+            <a:spAutoFit/>
+          </a:bodyPr>
+          <a:lstStyle/>
+          <a:p>
+            <a:r>
+              <a:rPr lang="en-US" dirty="0" smtClean="0"/>
+              <a:t>Subscription System for data changing Events</a:t>
+            </a:r>
+            <a:endParaRPr lang="en-US" dirty="0"/>
+          </a:p>
+        </p:txBody>
+      </p:sp>
+      <p:sp>
+        <p:nvSpPr>
+          <p:cNvPr id="13" name="TextBox 12"/>
+          <p:cNvSpPr txBox="1"/>
+          <p:nvPr/>
+        </p:nvSpPr>
+        <p:spPr>
+          <a:xfrm>
+            <a:off x="5221087" y="4757114"/>
+            <a:ext cx="1728192" cy="1200329"/>
+          </a:xfrm>
+          <a:prstGeom prst="rect">
+            <a:avLst/>
+          </a:prstGeom>
+          <a:noFill/>
+        </p:spPr>
+        <p:txBody>
+          <a:bodyPr wrap="square" rtlCol="0">
+            <a:spAutoFit/>
+          </a:bodyPr>
+          <a:lstStyle/>
+          <a:p>
+            <a:r>
+              <a:rPr lang="en-US" dirty="0" smtClean="0"/>
+              <a:t>Sets of </a:t>
+            </a:r>
+            <a:r>
+              <a:rPr lang="en-US" dirty="0" err="1" smtClean="0"/>
+              <a:t>Api</a:t>
+            </a:r>
+            <a:r>
+              <a:rPr lang="en-US" dirty="0" smtClean="0"/>
+              <a:t>- to export data in different schemas.</a:t>
+            </a:r>
+            <a:endParaRPr lang="en-US" dirty="0"/>
+          </a:p>
+        </p:txBody>
+      </p:sp>
+      <p:sp>
+        <p:nvSpPr>
+          <p:cNvPr id="15" name="Rectangle 14"/>
+          <p:cNvSpPr/>
+          <p:nvPr/>
+        </p:nvSpPr>
+        <p:spPr>
+          <a:xfrm>
+            <a:off x="5400182" y="828061"/>
+            <a:ext cx="1872208" cy="914400"/>
+          </a:xfrm>
+          <a:prstGeom prst="rect">
+            <a:avLst/>
+          </a:prstGeom>
+        </p:spPr>
+        <p:style>
+          <a:lnRef idx="2">
+            <a:schemeClr val="accent1">
+              <a:shade val="50000"/>
+            </a:schemeClr>
+          </a:lnRef>
+          <a:fillRef idx="1">
+            <a:schemeClr val="accent1"/>
+          </a:fillRef>
+          <a:effectRef idx="0">
+            <a:schemeClr val="accent1"/>
+          </a:effectRef>
+          <a:fontRef idx="minor">
+            <a:schemeClr val="lt1"/>
+          </a:fontRef>
+        </p:style>
+        <p:txBody>
+          <a:bodyPr rtlCol="0" anchor="ctr"/>
+          <a:lstStyle/>
+          <a:p>
+            <a:pPr algn="ctr"/>
+            <a:r>
+              <a:rPr lang="en-US" dirty="0" smtClean="0"/>
+              <a:t>CDN, cached media-Storages Publisher</a:t>
+            </a:r>
+            <a:endParaRPr lang="en-US" dirty="0"/>
+          </a:p>
+        </p:txBody>
+      </p:sp>
+      <p:sp>
+        <p:nvSpPr>
+          <p:cNvPr id="16" name="Rounded Rectangle 15"/>
+          <p:cNvSpPr/>
+          <p:nvPr/>
+        </p:nvSpPr>
+        <p:spPr>
+          <a:xfrm>
+            <a:off x="1650333" y="3668082"/>
+            <a:ext cx="1803603" cy="727280"/>
+          </a:xfrm>
+          <a:prstGeom prst="roundRect">
+            <a:avLst/>
+          </a:prstGeom>
+        </p:spPr>
+        <p:style>
+          <a:lnRef idx="2">
+            <a:schemeClr val="accent1">
+              <a:shade val="50000"/>
+            </a:schemeClr>
+          </a:lnRef>
+          <a:fillRef idx="1">
+            <a:schemeClr val="accent1"/>
+          </a:fillRef>
+          <a:effectRef idx="0">
+            <a:schemeClr val="accent1"/>
+          </a:effectRef>
+          <a:fontRef idx="minor">
+            <a:schemeClr val="lt1"/>
+          </a:fontRef>
+        </p:style>
+        <p:txBody>
+          <a:bodyPr rtlCol="0" anchor="ctr"/>
+          <a:lstStyle/>
+          <a:p>
+            <a:pPr algn="ctr"/>
+            <a:r>
+              <a:rPr lang="en-US" dirty="0" smtClean="0"/>
+              <a:t>Cached Media Storages</a:t>
+            </a:r>
+            <a:endParaRPr lang="en-US" dirty="0"/>
+          </a:p>
+        </p:txBody>
+      </p:sp>
+      <p:cxnSp>
+        <p:nvCxnSpPr>
+          <p:cNvPr id="18" name="Straight Arrow Connector 17"/>
+          <p:cNvCxnSpPr>
+            <a:endCxn id="11" idx="1"/>
+          </p:cNvCxnSpPr>
+          <p:nvPr/>
+        </p:nvCxnSpPr>
+        <p:spPr>
+          <a:xfrm>
+            <a:off x="1835696" y="3176101"/>
+            <a:ext cx="288032" cy="680"/>
+          </a:xfrm>
+          <a:prstGeom prst="straightConnector1">
+            <a:avLst/>
+          </a:prstGeom>
+          <a:ln>
+            <a:tailEnd type="triangle"/>
+          </a:ln>
+        </p:spPr>
+        <p:style>
+          <a:lnRef idx="1">
+            <a:schemeClr val="accent1"/>
+          </a:lnRef>
+          <a:fillRef idx="0">
+            <a:schemeClr val="accent1"/>
+          </a:fillRef>
+          <a:effectRef idx="0">
+            <a:schemeClr val="accent1"/>
+          </a:effectRef>
+          <a:fontRef idx="minor">
+            <a:schemeClr val="tx1"/>
+          </a:fontRef>
+        </p:style>
+      </p:cxnSp>
+      <p:cxnSp>
+        <p:nvCxnSpPr>
+          <p:cNvPr id="23" name="Straight Arrow Connector 22"/>
+          <p:cNvCxnSpPr/>
+          <p:nvPr/>
+        </p:nvCxnSpPr>
+        <p:spPr>
+          <a:xfrm flipV="1">
+            <a:off x="3779912" y="2996952"/>
+            <a:ext cx="216114" cy="179149"/>
+          </a:xfrm>
+          <a:prstGeom prst="straightConnector1">
+            <a:avLst/>
+          </a:prstGeom>
+          <a:ln>
+            <a:tailEnd type="triangle"/>
+          </a:ln>
+        </p:spPr>
+        <p:style>
+          <a:lnRef idx="1">
+            <a:schemeClr val="accent1"/>
+          </a:lnRef>
+          <a:fillRef idx="0">
+            <a:schemeClr val="accent1"/>
+          </a:fillRef>
+          <a:effectRef idx="0">
+            <a:schemeClr val="accent1"/>
+          </a:effectRef>
+          <a:fontRef idx="minor">
+            <a:schemeClr val="tx1"/>
+          </a:fontRef>
+        </p:style>
+      </p:cxnSp>
+      <p:cxnSp>
+        <p:nvCxnSpPr>
+          <p:cNvPr id="25" name="Straight Arrow Connector 24"/>
+          <p:cNvCxnSpPr/>
+          <p:nvPr/>
+        </p:nvCxnSpPr>
+        <p:spPr>
+          <a:xfrm>
+            <a:off x="5796136" y="2852936"/>
+            <a:ext cx="578094" cy="0"/>
+          </a:xfrm>
+          <a:prstGeom prst="straightConnector1">
+            <a:avLst/>
+          </a:prstGeom>
+          <a:ln>
+            <a:tailEnd type="triangle"/>
+          </a:ln>
+        </p:spPr>
+        <p:style>
+          <a:lnRef idx="1">
+            <a:schemeClr val="accent1"/>
+          </a:lnRef>
+          <a:fillRef idx="0">
+            <a:schemeClr val="accent1"/>
+          </a:fillRef>
+          <a:effectRef idx="0">
+            <a:schemeClr val="accent1"/>
+          </a:effectRef>
+          <a:fontRef idx="minor">
+            <a:schemeClr val="tx1"/>
+          </a:fontRef>
+        </p:style>
+      </p:cxnSp>
+      <p:cxnSp>
+        <p:nvCxnSpPr>
+          <p:cNvPr id="27" name="Straight Arrow Connector 26"/>
+          <p:cNvCxnSpPr/>
+          <p:nvPr/>
+        </p:nvCxnSpPr>
+        <p:spPr>
+          <a:xfrm flipV="1">
+            <a:off x="6518156" y="1826891"/>
+            <a:ext cx="0" cy="308591"/>
+          </a:xfrm>
+          <a:prstGeom prst="straightConnector1">
+            <a:avLst/>
+          </a:prstGeom>
+          <a:ln>
+            <a:tailEnd type="triangle"/>
+          </a:ln>
+        </p:spPr>
+        <p:style>
+          <a:lnRef idx="1">
+            <a:schemeClr val="accent1"/>
+          </a:lnRef>
+          <a:fillRef idx="0">
+            <a:schemeClr val="accent1"/>
+          </a:fillRef>
+          <a:effectRef idx="0">
+            <a:schemeClr val="accent1"/>
+          </a:effectRef>
+          <a:fontRef idx="minor">
+            <a:schemeClr val="tx1"/>
+          </a:fontRef>
+        </p:style>
+      </p:cxnSp>
+      <p:cxnSp>
+        <p:nvCxnSpPr>
+          <p:cNvPr id="29" name="Straight Arrow Connector 28"/>
+          <p:cNvCxnSpPr/>
+          <p:nvPr/>
+        </p:nvCxnSpPr>
+        <p:spPr>
+          <a:xfrm>
+            <a:off x="6660232" y="3306329"/>
+            <a:ext cx="0" cy="338695"/>
+          </a:xfrm>
+          <a:prstGeom prst="straightConnector1">
+            <a:avLst/>
+          </a:prstGeom>
+          <a:ln>
+            <a:tailEnd type="triangle"/>
+          </a:ln>
+        </p:spPr>
+        <p:style>
+          <a:lnRef idx="1">
+            <a:schemeClr val="accent1"/>
+          </a:lnRef>
+          <a:fillRef idx="0">
+            <a:schemeClr val="accent1"/>
+          </a:fillRef>
+          <a:effectRef idx="0">
+            <a:schemeClr val="accent1"/>
+          </a:effectRef>
+          <a:fontRef idx="minor">
+            <a:schemeClr val="tx1"/>
+          </a:fontRef>
+        </p:style>
+      </p:cxnSp>
+      <p:cxnSp>
+        <p:nvCxnSpPr>
+          <p:cNvPr id="31" name="Straight Arrow Connector 30"/>
+          <p:cNvCxnSpPr/>
+          <p:nvPr/>
+        </p:nvCxnSpPr>
+        <p:spPr>
+          <a:xfrm flipH="1">
+            <a:off x="4175956" y="3296017"/>
+            <a:ext cx="2305002" cy="1461097"/>
+          </a:xfrm>
+          <a:prstGeom prst="straightConnector1">
+            <a:avLst/>
+          </a:prstGeom>
+          <a:ln>
+            <a:tailEnd type="triangle"/>
+          </a:ln>
+        </p:spPr>
+        <p:style>
+          <a:lnRef idx="1">
+            <a:schemeClr val="accent1"/>
+          </a:lnRef>
+          <a:fillRef idx="0">
+            <a:schemeClr val="accent1"/>
+          </a:fillRef>
+          <a:effectRef idx="0">
+            <a:schemeClr val="accent1"/>
+          </a:effectRef>
+          <a:fontRef idx="minor">
+            <a:schemeClr val="tx1"/>
+          </a:fontRef>
+        </p:style>
+      </p:cxnSp>
+      <p:cxnSp>
+        <p:nvCxnSpPr>
+          <p:cNvPr id="33" name="Straight Arrow Connector 32"/>
+          <p:cNvCxnSpPr/>
+          <p:nvPr/>
+        </p:nvCxnSpPr>
+        <p:spPr>
+          <a:xfrm>
+            <a:off x="5796136" y="3086526"/>
+            <a:ext cx="578094" cy="846530"/>
+          </a:xfrm>
+          <a:prstGeom prst="straightConnector1">
+            <a:avLst/>
+          </a:prstGeom>
+          <a:ln>
+            <a:tailEnd type="triangle"/>
+          </a:ln>
+        </p:spPr>
+        <p:style>
+          <a:lnRef idx="1">
+            <a:schemeClr val="accent1"/>
+          </a:lnRef>
+          <a:fillRef idx="0">
+            <a:schemeClr val="accent1"/>
+          </a:fillRef>
+          <a:effectRef idx="0">
+            <a:schemeClr val="accent1"/>
+          </a:effectRef>
+          <a:fontRef idx="minor">
+            <a:schemeClr val="tx1"/>
+          </a:fontRef>
+        </p:style>
+      </p:cxnSp>
+      <p:cxnSp>
+        <p:nvCxnSpPr>
+          <p:cNvPr id="35" name="Straight Arrow Connector 34"/>
+          <p:cNvCxnSpPr/>
+          <p:nvPr/>
+        </p:nvCxnSpPr>
+        <p:spPr>
+          <a:xfrm flipH="1">
+            <a:off x="3849353" y="3458371"/>
+            <a:ext cx="1298712" cy="1298743"/>
+          </a:xfrm>
+          <a:prstGeom prst="straightConnector1">
+            <a:avLst/>
+          </a:prstGeom>
+          <a:ln>
+            <a:tailEnd type="triangle"/>
+          </a:ln>
+        </p:spPr>
+        <p:style>
+          <a:lnRef idx="1">
+            <a:schemeClr val="accent1"/>
+          </a:lnRef>
+          <a:fillRef idx="0">
+            <a:schemeClr val="accent1"/>
+          </a:fillRef>
+          <a:effectRef idx="0">
+            <a:schemeClr val="accent1"/>
+          </a:effectRef>
+          <a:fontRef idx="minor">
+            <a:schemeClr val="tx1"/>
+          </a:fontRef>
+        </p:style>
+      </p:cxnSp>
+      <p:cxnSp>
+        <p:nvCxnSpPr>
+          <p:cNvPr id="38" name="Straight Arrow Connector 37"/>
+          <p:cNvCxnSpPr/>
+          <p:nvPr/>
+        </p:nvCxnSpPr>
+        <p:spPr>
+          <a:xfrm>
+            <a:off x="4536861" y="5013176"/>
+            <a:ext cx="374818" cy="0"/>
+          </a:xfrm>
+          <a:prstGeom prst="straightConnector1">
+            <a:avLst/>
+          </a:prstGeom>
+          <a:ln>
+            <a:tailEnd type="triangle"/>
+          </a:ln>
+        </p:spPr>
+        <p:style>
+          <a:lnRef idx="1">
+            <a:schemeClr val="accent1"/>
+          </a:lnRef>
+          <a:fillRef idx="0">
+            <a:schemeClr val="accent1"/>
+          </a:fillRef>
+          <a:effectRef idx="0">
+            <a:schemeClr val="accent1"/>
+          </a:effectRef>
+          <a:fontRef idx="minor">
+            <a:schemeClr val="tx1"/>
+          </a:fontRef>
+        </p:style>
+      </p:cxnSp>
+      <p:cxnSp>
+        <p:nvCxnSpPr>
+          <p:cNvPr id="40" name="Straight Arrow Connector 39"/>
+          <p:cNvCxnSpPr/>
+          <p:nvPr/>
+        </p:nvCxnSpPr>
+        <p:spPr>
+          <a:xfrm flipH="1">
+            <a:off x="4521233" y="5278900"/>
+            <a:ext cx="359950" cy="0"/>
+          </a:xfrm>
+          <a:prstGeom prst="straightConnector1">
+            <a:avLst/>
+          </a:prstGeom>
+          <a:ln>
+            <a:tailEnd type="triangle"/>
+          </a:ln>
+        </p:spPr>
+        <p:style>
+          <a:lnRef idx="1">
+            <a:schemeClr val="accent1"/>
+          </a:lnRef>
+          <a:fillRef idx="0">
+            <a:schemeClr val="accent1"/>
+          </a:fillRef>
+          <a:effectRef idx="0">
+            <a:schemeClr val="accent1"/>
+          </a:effectRef>
+          <a:fontRef idx="minor">
+            <a:schemeClr val="tx1"/>
+          </a:fontRef>
+        </p:style>
+      </p:cxnSp>
+      <p:cxnSp>
+        <p:nvCxnSpPr>
+          <p:cNvPr id="42" name="Straight Arrow Connector 41"/>
+          <p:cNvCxnSpPr/>
+          <p:nvPr/>
+        </p:nvCxnSpPr>
+        <p:spPr>
+          <a:xfrm flipH="1">
+            <a:off x="3491880" y="3475676"/>
+            <a:ext cx="648162" cy="457380"/>
+          </a:xfrm>
+          <a:prstGeom prst="straightConnector1">
+            <a:avLst/>
+          </a:prstGeom>
+          <a:ln>
+            <a:tailEnd type="triangle"/>
+          </a:ln>
+        </p:spPr>
+        <p:style>
+          <a:lnRef idx="1">
+            <a:schemeClr val="accent1"/>
+          </a:lnRef>
+          <a:fillRef idx="0">
+            <a:schemeClr val="accent1"/>
+          </a:fillRef>
+          <a:effectRef idx="0">
+            <a:schemeClr val="accent1"/>
+          </a:effectRef>
+          <a:fontRef idx="minor">
+            <a:schemeClr val="tx1"/>
+          </a:fontRef>
+        </p:style>
+      </p:cxnSp>
+      <p:cxnSp>
+        <p:nvCxnSpPr>
+          <p:cNvPr id="44" name="Straight Arrow Connector 43"/>
+          <p:cNvCxnSpPr>
+            <a:stCxn id="7" idx="1"/>
+          </p:cNvCxnSpPr>
+          <p:nvPr/>
+        </p:nvCxnSpPr>
+        <p:spPr>
+          <a:xfrm flipH="1" flipV="1">
+            <a:off x="359532" y="5301208"/>
+            <a:ext cx="2632249" cy="54121"/>
+          </a:xfrm>
+          <a:prstGeom prst="straightConnector1">
+            <a:avLst/>
+          </a:prstGeom>
+          <a:ln>
+            <a:tailEnd type="triangle"/>
+          </a:ln>
+        </p:spPr>
+        <p:style>
+          <a:lnRef idx="1">
+            <a:schemeClr val="accent1"/>
+          </a:lnRef>
+          <a:fillRef idx="0">
+            <a:schemeClr val="accent1"/>
+          </a:fillRef>
+          <a:effectRef idx="0">
+            <a:schemeClr val="accent1"/>
+          </a:effectRef>
+          <a:fontRef idx="minor">
+            <a:schemeClr val="tx1"/>
+          </a:fontRef>
+        </p:style>
+      </p:cxnSp>
+      <p:cxnSp>
+        <p:nvCxnSpPr>
+          <p:cNvPr id="46" name="Straight Arrow Connector 45"/>
+          <p:cNvCxnSpPr/>
+          <p:nvPr/>
+        </p:nvCxnSpPr>
+        <p:spPr>
+          <a:xfrm flipH="1">
+            <a:off x="359532" y="4008088"/>
+            <a:ext cx="1224136" cy="0"/>
+          </a:xfrm>
+          <a:prstGeom prst="straightConnector1">
+            <a:avLst/>
+          </a:prstGeom>
+          <a:ln>
+            <a:tailEnd type="triangle"/>
+          </a:ln>
+        </p:spPr>
+        <p:style>
+          <a:lnRef idx="1">
+            <a:schemeClr val="accent1"/>
+          </a:lnRef>
+          <a:fillRef idx="0">
+            <a:schemeClr val="accent1"/>
+          </a:fillRef>
+          <a:effectRef idx="0">
+            <a:schemeClr val="accent1"/>
+          </a:effectRef>
+          <a:fontRef idx="minor">
+            <a:schemeClr val="tx1"/>
+          </a:fontRef>
+        </p:style>
+      </p:cxnSp>
+      <p:cxnSp>
+        <p:nvCxnSpPr>
+          <p:cNvPr id="50" name="Straight Arrow Connector 49"/>
+          <p:cNvCxnSpPr/>
+          <p:nvPr/>
+        </p:nvCxnSpPr>
+        <p:spPr>
+          <a:xfrm flipH="1">
+            <a:off x="332201" y="4395362"/>
+            <a:ext cx="6042029" cy="98025"/>
+          </a:xfrm>
+          <a:prstGeom prst="straightConnector1">
+            <a:avLst/>
+          </a:prstGeom>
+          <a:ln>
+            <a:headEnd type="triangle"/>
+            <a:tailEnd type="triangle"/>
+          </a:ln>
+        </p:spPr>
+        <p:style>
+          <a:lnRef idx="1">
+            <a:schemeClr val="accent1"/>
+          </a:lnRef>
+          <a:fillRef idx="0">
+            <a:schemeClr val="accent1"/>
+          </a:fillRef>
+          <a:effectRef idx="0">
+            <a:schemeClr val="accent1"/>
+          </a:effectRef>
+          <a:fontRef idx="minor">
+            <a:schemeClr val="tx1"/>
+          </a:fontRef>
+        </p:style>
+      </p:cxnSp>
+      <p:sp>
+        <p:nvSpPr>
+          <p:cNvPr id="51" name="Rectangle 50"/>
+          <p:cNvSpPr/>
+          <p:nvPr/>
+        </p:nvSpPr>
+        <p:spPr>
+          <a:xfrm>
+            <a:off x="8246438" y="1826892"/>
+            <a:ext cx="718050" cy="1629372"/>
+          </a:xfrm>
+          <a:prstGeom prst="rect">
+            <a:avLst/>
+          </a:prstGeom>
+        </p:spPr>
+        <p:style>
+          <a:lnRef idx="2">
+            <a:schemeClr val="accent1">
+              <a:shade val="50000"/>
+            </a:schemeClr>
+          </a:lnRef>
+          <a:fillRef idx="1">
+            <a:schemeClr val="accent1"/>
+          </a:fillRef>
+          <a:effectRef idx="0">
+            <a:schemeClr val="accent1"/>
+          </a:effectRef>
+          <a:fontRef idx="minor">
+            <a:schemeClr val="lt1"/>
+          </a:fontRef>
+        </p:style>
+        <p:txBody>
+          <a:bodyPr rtlCol="0" anchor="ctr"/>
+          <a:lstStyle/>
+          <a:p>
+            <a:pPr algn="ctr"/>
+            <a:r>
+              <a:rPr lang="en-US" dirty="0" smtClean="0"/>
+              <a:t>DB</a:t>
+            </a:r>
+            <a:endParaRPr lang="en-US" dirty="0"/>
+          </a:p>
+        </p:txBody>
+      </p:sp>
+      <p:sp>
+        <p:nvSpPr>
+          <p:cNvPr id="52" name="Rectangle 51"/>
+          <p:cNvSpPr/>
+          <p:nvPr/>
+        </p:nvSpPr>
+        <p:spPr>
+          <a:xfrm>
+            <a:off x="7668344" y="4757114"/>
+            <a:ext cx="1355061" cy="1408189"/>
+          </a:xfrm>
+          <a:prstGeom prst="rect">
+            <a:avLst/>
+          </a:prstGeom>
+        </p:spPr>
+        <p:style>
+          <a:lnRef idx="2">
+            <a:schemeClr val="accent1">
+              <a:shade val="50000"/>
+            </a:schemeClr>
+          </a:lnRef>
+          <a:fillRef idx="1">
+            <a:schemeClr val="accent1"/>
+          </a:fillRef>
+          <a:effectRef idx="0">
+            <a:schemeClr val="accent1"/>
+          </a:effectRef>
+          <a:fontRef idx="minor">
+            <a:schemeClr val="lt1"/>
+          </a:fontRef>
+        </p:style>
+        <p:txBody>
+          <a:bodyPr rtlCol="0" anchor="ctr"/>
+          <a:lstStyle/>
+          <a:p>
+            <a:pPr algn="ctr"/>
+            <a:r>
+              <a:rPr lang="en-US" dirty="0" smtClean="0"/>
+              <a:t>Setup-able </a:t>
+            </a:r>
+          </a:p>
+          <a:p>
+            <a:pPr algn="ctr"/>
+            <a:r>
+              <a:rPr lang="en-US" dirty="0" smtClean="0"/>
+              <a:t>DB</a:t>
+            </a:r>
+          </a:p>
+          <a:p>
+            <a:pPr algn="ctr"/>
+            <a:r>
+              <a:rPr lang="en-US" dirty="0" smtClean="0"/>
+              <a:t>Views</a:t>
+            </a:r>
+            <a:endParaRPr lang="en-US" dirty="0"/>
+          </a:p>
+        </p:txBody>
+      </p:sp>
+      <p:cxnSp>
+        <p:nvCxnSpPr>
+          <p:cNvPr id="54" name="Straight Arrow Connector 53"/>
+          <p:cNvCxnSpPr/>
+          <p:nvPr/>
+        </p:nvCxnSpPr>
+        <p:spPr>
+          <a:xfrm>
+            <a:off x="7524328" y="2852936"/>
+            <a:ext cx="578183" cy="144016"/>
+          </a:xfrm>
+          <a:prstGeom prst="straightConnector1">
+            <a:avLst/>
+          </a:prstGeom>
+          <a:ln>
+            <a:headEnd type="triangle"/>
+            <a:tailEnd type="triangle"/>
+          </a:ln>
+        </p:spPr>
+        <p:style>
+          <a:lnRef idx="1">
+            <a:schemeClr val="accent1"/>
+          </a:lnRef>
+          <a:fillRef idx="0">
+            <a:schemeClr val="accent1"/>
+          </a:fillRef>
+          <a:effectRef idx="0">
+            <a:schemeClr val="accent1"/>
+          </a:effectRef>
+          <a:fontRef idx="minor">
+            <a:schemeClr val="tx1"/>
+          </a:fontRef>
+        </p:style>
+      </p:cxnSp>
+      <p:cxnSp>
+        <p:nvCxnSpPr>
+          <p:cNvPr id="61" name="Straight Arrow Connector 60"/>
+          <p:cNvCxnSpPr/>
+          <p:nvPr/>
+        </p:nvCxnSpPr>
+        <p:spPr>
+          <a:xfrm>
+            <a:off x="8605463" y="3509791"/>
+            <a:ext cx="0" cy="1143346"/>
+          </a:xfrm>
+          <a:prstGeom prst="straightConnector1">
+            <a:avLst/>
+          </a:prstGeom>
+          <a:ln>
+            <a:tailEnd type="triangle"/>
+          </a:ln>
+        </p:spPr>
+        <p:style>
+          <a:lnRef idx="1">
+            <a:schemeClr val="accent1"/>
+          </a:lnRef>
+          <a:fillRef idx="0">
+            <a:schemeClr val="accent1"/>
+          </a:fillRef>
+          <a:effectRef idx="0">
+            <a:schemeClr val="accent1"/>
+          </a:effectRef>
+          <a:fontRef idx="minor">
+            <a:schemeClr val="tx1"/>
+          </a:fontRef>
+        </p:style>
+      </p:cxnSp>
+      <p:cxnSp>
+        <p:nvCxnSpPr>
+          <p:cNvPr id="63" name="Straight Arrow Connector 62"/>
+          <p:cNvCxnSpPr/>
+          <p:nvPr/>
+        </p:nvCxnSpPr>
+        <p:spPr>
+          <a:xfrm>
+            <a:off x="6828684" y="5357279"/>
+            <a:ext cx="791073" cy="103929"/>
+          </a:xfrm>
+          <a:prstGeom prst="straightConnector1">
+            <a:avLst/>
+          </a:prstGeom>
+          <a:ln>
+            <a:headEnd type="triangle"/>
+            <a:tailEnd type="triangle"/>
+          </a:ln>
+        </p:spPr>
+        <p:style>
+          <a:lnRef idx="1">
+            <a:schemeClr val="accent1"/>
+          </a:lnRef>
+          <a:fillRef idx="0">
+            <a:schemeClr val="accent1"/>
+          </a:fillRef>
+          <a:effectRef idx="0">
+            <a:schemeClr val="accent1"/>
+          </a:effectRef>
+          <a:fontRef idx="minor">
+            <a:schemeClr val="tx1"/>
+          </a:fontRef>
+        </p:style>
+      </p:cxnSp>
+      <p:sp>
+        <p:nvSpPr>
+          <p:cNvPr id="69" name="Rectangle 68"/>
+          <p:cNvSpPr/>
+          <p:nvPr/>
+        </p:nvSpPr>
+        <p:spPr>
+          <a:xfrm>
+            <a:off x="2555776" y="4653137"/>
+            <a:ext cx="6588224" cy="1800199"/>
+          </a:xfrm>
+          <a:prstGeom prst="rect">
+            <a:avLst/>
+          </a:prstGeom>
+          <a:noFill/>
+        </p:spPr>
+        <p:style>
+          <a:lnRef idx="2">
+            <a:schemeClr val="accent1">
+              <a:shade val="50000"/>
+            </a:schemeClr>
+          </a:lnRef>
+          <a:fillRef idx="1">
+            <a:schemeClr val="accent1"/>
+          </a:fillRef>
+          <a:effectRef idx="0">
+            <a:schemeClr val="accent1"/>
+          </a:effectRef>
+          <a:fontRef idx="minor">
+            <a:schemeClr val="lt1"/>
+          </a:fontRef>
+        </p:style>
+        <p:txBody>
+          <a:bodyPr rtlCol="0" anchor="b"/>
+          <a:lstStyle/>
+          <a:p>
+            <a:pPr algn="ctr"/>
+            <a:r>
+              <a:rPr lang="en-US" dirty="0" smtClean="0"/>
+              <a:t>Micro Service aligned zone</a:t>
+            </a:r>
+            <a:endParaRPr lang="en-US" dirty="0"/>
+          </a:p>
+        </p:txBody>
+      </p:sp>
+    </p:spTree>
+    <p:extLst>
+      <p:ext uri="{BB962C8B-B14F-4D97-AF65-F5344CB8AC3E}">
+        <p14:creationId xmlns:p14="http://schemas.microsoft.com/office/powerpoint/2010/main" val="2550073300"/>
+      </p:ext>
+    </p:extLst>
+  </p:cSld>
+  <p:clrMapOvr>
+    <a:masterClrMapping/>
+  </p:clrMapOvr>
+</p:sld>
+</file>
+
+<file path=ppt/slides/slide9.xml><?xml version="1.0" encoding="utf-8"?>
+<p:sld xmlns:a="http://schemas.openxmlformats.org/drawingml/2006/main" xmlns:r="http://schemas.openxmlformats.org/officeDocument/2006/relationships" xmlns:p="http://schemas.openxmlformats.org/presentationml/2006/main">
+  <p:cSld>
+    <p:spTree>
+      <p:nvGrpSpPr>
+        <p:cNvPr id="1" name=""/>
+        <p:cNvGrpSpPr/>
+        <p:nvPr/>
+      </p:nvGrpSpPr>
+      <p:grpSpPr>
+        <a:xfrm>
+          <a:off x="0" y="0"/>
+          <a:ext cx="0" cy="0"/>
+          <a:chOff x="0" y="0"/>
+          <a:chExt cx="0" cy="0"/>
+        </a:xfrm>
+      </p:grpSpPr>
+      <p:sp>
+        <p:nvSpPr>
+          <p:cNvPr id="2" name="Title 1"/>
+          <p:cNvSpPr>
+            <a:spLocks noGrp="1"/>
+          </p:cNvSpPr>
+          <p:nvPr>
+            <p:ph type="title"/>
+          </p:nvPr>
+        </p:nvSpPr>
+        <p:spPr/>
+        <p:txBody>
+          <a:bodyPr/>
+          <a:lstStyle/>
+          <a:p>
+            <a:r>
+              <a:rPr lang="en-GB" dirty="0" smtClean="0"/>
+              <a:t>Advantages:</a:t>
+            </a:r>
+            <a:endParaRPr lang="en-GB" dirty="0"/>
+          </a:p>
+        </p:txBody>
+      </p:sp>
+      <p:sp>
+        <p:nvSpPr>
+          <p:cNvPr id="3" name="Content Placeholder 2"/>
+          <p:cNvSpPr>
+            <a:spLocks noGrp="1"/>
+          </p:cNvSpPr>
+          <p:nvPr>
+            <p:ph idx="1"/>
+          </p:nvPr>
+        </p:nvSpPr>
+        <p:spPr/>
+        <p:txBody>
+          <a:bodyPr>
+            <a:normAutofit fontScale="92500" lnSpcReduction="20000"/>
+          </a:bodyPr>
+          <a:lstStyle/>
+          <a:p>
+            <a:r>
+              <a:rPr lang="en-US" dirty="0"/>
+              <a:t>Easy search</a:t>
+            </a:r>
+          </a:p>
+          <a:p>
+            <a:r>
+              <a:rPr lang="en-US" dirty="0"/>
+              <a:t>Easy attribute export and import</a:t>
+            </a:r>
+          </a:p>
+          <a:p>
+            <a:r>
+              <a:rPr lang="en-US" dirty="0"/>
+              <a:t>Lightweight table structure</a:t>
+            </a:r>
+          </a:p>
+          <a:p>
+            <a:r>
+              <a:rPr lang="en-US" dirty="0"/>
+              <a:t>Ready for text translation (corpus of texts in one table)</a:t>
+            </a:r>
+          </a:p>
+          <a:p>
+            <a:r>
+              <a:rPr lang="en-US" dirty="0"/>
+              <a:t>Media ready for CDN deployment</a:t>
+            </a:r>
+          </a:p>
+          <a:p>
+            <a:r>
+              <a:rPr lang="en-US" dirty="0"/>
+              <a:t>Infinite parameters per product</a:t>
+            </a:r>
+          </a:p>
+          <a:p>
+            <a:r>
+              <a:rPr lang="en-US" dirty="0"/>
+              <a:t>Infinite categories per product, with composite category capability</a:t>
+            </a:r>
+          </a:p>
+          <a:p>
+            <a:r>
+              <a:rPr lang="en-US" dirty="0"/>
+              <a:t>Infinite product templates, easy setup of mandatory attributes for every new product</a:t>
+            </a:r>
+          </a:p>
+          <a:p>
+            <a:r>
+              <a:rPr lang="en-US" dirty="0"/>
+              <a:t>Easy scalability and table routing</a:t>
+            </a:r>
+          </a:p>
+          <a:p>
+            <a:r>
+              <a:rPr lang="en-US" dirty="0"/>
+              <a:t>Etc</a:t>
+            </a:r>
+            <a:r>
+              <a:rPr lang="en-US" dirty="0" smtClean="0"/>
+              <a:t>.</a:t>
+            </a:r>
+            <a:endParaRPr lang="en-US" dirty="0"/>
+          </a:p>
+          <a:p>
+            <a:endParaRPr lang="en-US" dirty="0" smtClean="0"/>
+          </a:p>
+        </p:txBody>
+      </p:sp>
+    </p:spTree>
+    <p:extLst>
+      <p:ext uri="{BB962C8B-B14F-4D97-AF65-F5344CB8AC3E}">
+        <p14:creationId xmlns:p14="http://schemas.microsoft.com/office/powerpoint/2010/main" val="1334551033"/>
       </p:ext>
     </p:extLst>
   </p:cSld>
